--- a/figures/impl1.pptx
+++ b/figures/impl1.pptx
@@ -5,16 +5,17 @@
     <p:sldMasterId id="2147483648" r:id="rId1"/>
   </p:sldMasterIdLst>
   <p:notesMasterIdLst>
-    <p:notesMasterId r:id="rId6"/>
+    <p:notesMasterId r:id="rId7"/>
   </p:notesMasterIdLst>
   <p:handoutMasterIdLst>
-    <p:handoutMasterId r:id="rId7"/>
+    <p:handoutMasterId r:id="rId8"/>
   </p:handoutMasterIdLst>
   <p:sldIdLst>
     <p:sldId id="265" r:id="rId2"/>
-    <p:sldId id="266" r:id="rId3"/>
-    <p:sldId id="267" r:id="rId4"/>
-    <p:sldId id="269" r:id="rId5"/>
+    <p:sldId id="270" r:id="rId3"/>
+    <p:sldId id="266" r:id="rId4"/>
+    <p:sldId id="267" r:id="rId5"/>
+    <p:sldId id="269" r:id="rId6"/>
   </p:sldIdLst>
   <p:sldSz cx="9144000" cy="6858000" type="screen4x3"/>
   <p:notesSz cx="9144000" cy="6858000"/>
@@ -214,7 +215,7 @@
           <a:p>
             <a:fld id="{B2F35A74-422F-2742-AC7B-3A7A122D2FBC}" type="datetimeFigureOut">
               <a:rPr lang="en-US" smtClean="0"/>
-              <a:t>10/20/16</a:t>
+              <a:t>4/2/17</a:t>
             </a:fld>
             <a:endParaRPr lang="en-US"/>
           </a:p>
@@ -380,7 +381,7 @@
           <a:p>
             <a:fld id="{F0FF9DC5-AEB2-DA40-8153-8124F3593343}" type="datetimeFigureOut">
               <a:rPr lang="en-US" smtClean="0"/>
-              <a:t>10/20/16</a:t>
+              <a:t>4/2/17</a:t>
             </a:fld>
             <a:endParaRPr lang="en-US"/>
           </a:p>
@@ -830,7 +831,7 @@
           <a:p>
             <a:fld id="{9B7E37EC-EFE6-474B-ACFA-0AA2B30DDA3D}" type="datetime1">
               <a:rPr lang="en-US" smtClean="0"/>
-              <a:t>10/20/16</a:t>
+              <a:t>4/2/17</a:t>
             </a:fld>
             <a:endParaRPr lang="en-US"/>
           </a:p>
@@ -995,7 +996,7 @@
           <a:p>
             <a:fld id="{56D852E2-8ABB-7342-BE24-F8BD06E8471A}" type="datetime1">
               <a:rPr lang="en-US" smtClean="0"/>
-              <a:t>10/20/16</a:t>
+              <a:t>4/2/17</a:t>
             </a:fld>
             <a:endParaRPr lang="en-US"/>
           </a:p>
@@ -1175,7 +1176,7 @@
           <a:p>
             <a:fld id="{AAC655D4-BEF3-4143-91FC-1E31F8FE9D2B}" type="datetime1">
               <a:rPr lang="en-US" smtClean="0"/>
-              <a:t>10/20/16</a:t>
+              <a:t>4/2/17</a:t>
             </a:fld>
             <a:endParaRPr lang="en-US"/>
           </a:p>
@@ -1345,7 +1346,7 @@
           <a:p>
             <a:fld id="{407FE4BB-5B33-9E48-9AF7-9FE1265B9BEB}" type="datetime1">
               <a:rPr lang="en-US" smtClean="0"/>
-              <a:t>10/20/16</a:t>
+              <a:t>4/2/17</a:t>
             </a:fld>
             <a:endParaRPr lang="en-US"/>
           </a:p>
@@ -1577,7 +1578,7 @@
           <a:p>
             <a:fld id="{7A3F19D9-9986-8644-80B0-C34E49726679}" type="datetime1">
               <a:rPr lang="en-US" smtClean="0"/>
-              <a:t>10/20/16</a:t>
+              <a:t>4/2/17</a:t>
             </a:fld>
             <a:endParaRPr lang="en-US"/>
           </a:p>
@@ -1865,7 +1866,7 @@
           <a:p>
             <a:fld id="{7AA4CABA-E986-2348-BA19-D7094591226A}" type="datetime1">
               <a:rPr lang="en-US" smtClean="0"/>
-              <a:t>10/20/16</a:t>
+              <a:t>4/2/17</a:t>
             </a:fld>
             <a:endParaRPr lang="en-US"/>
           </a:p>
@@ -2287,7 +2288,7 @@
           <a:p>
             <a:fld id="{36D37177-8EAA-724A-B89A-DC802F0BB0E5}" type="datetime1">
               <a:rPr lang="en-US" smtClean="0"/>
-              <a:t>10/20/16</a:t>
+              <a:t>4/2/17</a:t>
             </a:fld>
             <a:endParaRPr lang="en-US"/>
           </a:p>
@@ -2405,7 +2406,7 @@
           <a:p>
             <a:fld id="{F35D5DE9-7066-4545-81C2-87EE38454942}" type="datetime1">
               <a:rPr lang="en-US" smtClean="0"/>
-              <a:t>10/20/16</a:t>
+              <a:t>4/2/17</a:t>
             </a:fld>
             <a:endParaRPr lang="en-US"/>
           </a:p>
@@ -2500,7 +2501,7 @@
           <a:p>
             <a:fld id="{E85641AC-8481-2A4A-BD4E-BEFF3A721DC1}" type="datetime1">
               <a:rPr lang="en-US" smtClean="0"/>
-              <a:t>10/20/16</a:t>
+              <a:t>4/2/17</a:t>
             </a:fld>
             <a:endParaRPr lang="en-US"/>
           </a:p>
@@ -2777,7 +2778,7 @@
           <a:p>
             <a:fld id="{C3434ECF-37B8-E34B-8486-F19DE0C3BA21}" type="datetime1">
               <a:rPr lang="en-US" smtClean="0"/>
-              <a:t>10/20/16</a:t>
+              <a:t>4/2/17</a:t>
             </a:fld>
             <a:endParaRPr lang="en-US"/>
           </a:p>
@@ -3030,7 +3031,7 @@
           <a:p>
             <a:fld id="{0F1D6308-7F20-3A48-89FF-DA5EEA70287C}" type="datetime1">
               <a:rPr lang="en-US" smtClean="0"/>
-              <a:t>10/20/16</a:t>
+              <a:t>4/2/17</a:t>
             </a:fld>
             <a:endParaRPr lang="en-US"/>
           </a:p>
@@ -3243,7 +3244,7 @@
           <a:p>
             <a:fld id="{C08A154F-1739-E64D-8826-3F507BC84F66}" type="datetime1">
               <a:rPr lang="en-US" smtClean="0"/>
-              <a:t>10/20/16</a:t>
+              <a:t>4/2/17</a:t>
             </a:fld>
             <a:endParaRPr lang="en-US"/>
           </a:p>
@@ -3444,14 +3445,14 @@
           </a:ln>
           <a:extLst>
             <a:ext uri="{909E8E84-426E-40dd-AFC4-6F175D3DCCD1}">
-              <a14:hiddenFill xmlns="" xmlns:a14="http://schemas.microsoft.com/office/drawing/2010/main">
+              <a14:hiddenFill xmlns:a14="http://schemas.microsoft.com/office/drawing/2010/main" xmlns="">
                 <a:solidFill>
                   <a:srgbClr val="FFFFFF"/>
                 </a:solidFill>
               </a14:hiddenFill>
             </a:ext>
             <a:ext uri="{91240B29-F687-4f45-9708-019B960494DF}">
-              <a14:hiddenLine xmlns="" xmlns:a14="http://schemas.microsoft.com/office/drawing/2010/main" w="9525">
+              <a14:hiddenLine xmlns:a14="http://schemas.microsoft.com/office/drawing/2010/main" xmlns="" w="9525">
                 <a:solidFill>
                   <a:srgbClr val="000000"/>
                 </a:solidFill>
@@ -4360,8 +4361,8 @@
         </p:nvSpPr>
         <p:spPr>
           <a:xfrm rot="16200000">
-            <a:off x="5061756" y="2327182"/>
-            <a:ext cx="2126673" cy="461665"/>
+            <a:off x="5061756" y="2419515"/>
+            <a:ext cx="2126673" cy="276999"/>
           </a:xfrm>
           <a:prstGeom prst="rect">
             <a:avLst/>
@@ -4379,13 +4380,6 @@
               <a:t>cudaMemcpyAsync</a:t>
             </a:r>
             <a:endParaRPr lang="en-US" sz="1200" dirty="0" smtClean="0"/>
-          </a:p>
-          <a:p>
-            <a:r>
-              <a:rPr lang="en-US" sz="1200" dirty="0" err="1" smtClean="0"/>
-              <a:t>pragma_offload_transfer</a:t>
-            </a:r>
-            <a:endParaRPr lang="en-US" sz="1200" dirty="0"/>
           </a:p>
         </p:txBody>
       </p:sp>
@@ -4508,8 +4502,8 @@
         </p:nvSpPr>
         <p:spPr>
           <a:xfrm rot="16200000">
-            <a:off x="1591225" y="2385094"/>
-            <a:ext cx="2126673" cy="461665"/>
+            <a:off x="1591225" y="2477427"/>
+            <a:ext cx="2126673" cy="276999"/>
           </a:xfrm>
           <a:prstGeom prst="rect">
             <a:avLst/>
@@ -4527,13 +4521,6 @@
               <a:t>cudaMemcpyAsync</a:t>
             </a:r>
             <a:endParaRPr lang="en-US" sz="1200" dirty="0" smtClean="0"/>
-          </a:p>
-          <a:p>
-            <a:r>
-              <a:rPr lang="en-US" sz="1200" dirty="0" err="1"/>
-              <a:t>pragma_offload_transfer</a:t>
-            </a:r>
-            <a:endParaRPr lang="en-US" sz="1200" dirty="0"/>
           </a:p>
         </p:txBody>
       </p:sp>
@@ -4744,7 +4731,7 @@
         <p:spPr>
           <a:xfrm>
             <a:off x="5170548" y="1036221"/>
-            <a:ext cx="1449505" cy="461665"/>
+            <a:ext cx="1449505" cy="276999"/>
           </a:xfrm>
           <a:prstGeom prst="rect">
             <a:avLst/>
@@ -4761,21 +4748,7 @@
               <a:rPr lang="en-US" sz="1200" dirty="0" err="1" smtClean="0"/>
               <a:t>cudaStreamQuery</a:t>
             </a:r>
-            <a:r>
-              <a:rPr lang="en-US" sz="1200" dirty="0" smtClean="0"/>
-              <a:t>/</a:t>
-            </a:r>
-          </a:p>
-          <a:p>
-            <a:r>
-              <a:rPr lang="en-US" sz="1200" dirty="0" smtClean="0"/>
-              <a:t>_</a:t>
-            </a:r>
-            <a:r>
-              <a:rPr lang="en-US" sz="1200" dirty="0" err="1" smtClean="0"/>
-              <a:t>Offload_signaled</a:t>
-            </a:r>
-            <a:endParaRPr lang="en-US" sz="1200" dirty="0"/>
+            <a:endParaRPr lang="en-US" sz="1200" dirty="0" smtClean="0"/>
           </a:p>
         </p:txBody>
       </p:sp>
@@ -4855,7 +4828,7 @@
         </p:nvSpPr>
         <p:spPr>
           <a:xfrm>
-            <a:off x="2365744" y="2045023"/>
+            <a:off x="2494334" y="2045023"/>
             <a:ext cx="686747" cy="276999"/>
           </a:xfrm>
           <a:prstGeom prst="rect">
@@ -5020,41 +4993,101 @@
           <a:chExt cx="0" cy="0"/>
         </a:xfrm>
       </p:grpSpPr>
-      <p:sp>
-        <p:nvSpPr>
-          <p:cNvPr id="2" name="Title 1"/>
-          <p:cNvSpPr>
-            <a:spLocks noGrp="1"/>
-          </p:cNvSpPr>
-          <p:nvPr>
-            <p:ph type="title"/>
-          </p:nvPr>
-        </p:nvSpPr>
-        <p:spPr/>
-        <p:txBody>
-          <a:bodyPr/>
-          <a:lstStyle/>
-          <a:p>
+      <p:cxnSp>
+        <p:nvCxnSpPr>
+          <p:cNvPr id="5" name="Straight Connector 4"/>
+          <p:cNvCxnSpPr/>
+          <p:nvPr/>
+        </p:nvCxnSpPr>
+        <p:spPr>
+          <a:xfrm flipH="1" flipV="1">
+            <a:off x="5995532" y="1929279"/>
+            <a:ext cx="1828800" cy="3450"/>
+          </a:xfrm>
+          <a:prstGeom prst="line">
+            <a:avLst/>
+          </a:prstGeom>
+          <a:ln>
+            <a:solidFill>
+              <a:schemeClr val="tx1"/>
+            </a:solidFill>
+            <a:headEnd type="none" w="med" len="med"/>
+            <a:tailEnd type="arrow" w="med" len="med"/>
+          </a:ln>
+        </p:spPr>
+        <p:style>
+          <a:lnRef idx="2">
+            <a:schemeClr val="accent1"/>
+          </a:lnRef>
+          <a:fillRef idx="0">
+            <a:schemeClr val="accent1"/>
+          </a:fillRef>
+          <a:effectRef idx="1">
+            <a:schemeClr val="accent1"/>
+          </a:effectRef>
+          <a:fontRef idx="minor">
+            <a:schemeClr val="tx1"/>
+          </a:fontRef>
+        </p:style>
+      </p:cxnSp>
+      <p:sp>
+        <p:nvSpPr>
+          <p:cNvPr id="6" name="Rectangle 5"/>
+          <p:cNvSpPr/>
+          <p:nvPr/>
+        </p:nvSpPr>
+        <p:spPr>
+          <a:xfrm>
+            <a:off x="7597792" y="1386603"/>
+            <a:ext cx="1386840" cy="2556350"/>
+          </a:xfrm>
+          <a:prstGeom prst="rect">
+            <a:avLst/>
+          </a:prstGeom>
+          <a:noFill/>
+          <a:ln w="6350">
+            <a:prstDash val="lgDash"/>
+          </a:ln>
+        </p:spPr>
+        <p:style>
+          <a:lnRef idx="1">
+            <a:schemeClr val="accent1"/>
+          </a:lnRef>
+          <a:fillRef idx="3">
+            <a:schemeClr val="accent1"/>
+          </a:fillRef>
+          <a:effectRef idx="2">
+            <a:schemeClr val="accent1"/>
+          </a:effectRef>
+          <a:fontRef idx="minor">
+            <a:schemeClr val="lt1"/>
+          </a:fontRef>
+        </p:style>
+        <p:txBody>
+          <a:bodyPr rtlCol="0" anchor="ctr"/>
+          <a:lstStyle/>
+          <a:p>
+            <a:pPr algn="ctr"/>
             <a:endParaRPr lang="en-US"/>
           </a:p>
         </p:txBody>
       </p:sp>
       <p:sp>
         <p:nvSpPr>
-          <p:cNvPr id="4" name="Rectangle 3"/>
+          <p:cNvPr id="7" name="Oval 6"/>
           <p:cNvSpPr/>
           <p:nvPr/>
         </p:nvSpPr>
         <p:spPr>
           <a:xfrm>
-            <a:off x="1329266" y="1600200"/>
-            <a:ext cx="3251201" cy="2914022"/>
-          </a:xfrm>
-          <a:prstGeom prst="rect">
+            <a:off x="7925425" y="1702251"/>
+            <a:ext cx="670560" cy="449580"/>
+          </a:xfrm>
+          <a:prstGeom prst="ellipse">
             <a:avLst/>
           </a:prstGeom>
           <a:solidFill>
-            <a:schemeClr val="bg2"/>
+            <a:srgbClr val="0070C0"/>
           </a:solidFill>
           <a:ln w="19050">
             <a:solidFill>
@@ -5081,20 +5114,116 @@
           <a:lstStyle/>
           <a:p>
             <a:pPr algn="ctr"/>
+            <a:r>
+              <a:rPr lang="en-US" sz="1200" dirty="0" smtClean="0"/>
+              <a:t>host</a:t>
+            </a:r>
+            <a:endParaRPr lang="en-US" sz="1200" dirty="0"/>
+          </a:p>
+        </p:txBody>
+      </p:sp>
+      <p:sp>
+        <p:nvSpPr>
+          <p:cNvPr id="8" name="Rectangle 7"/>
+          <p:cNvSpPr/>
+          <p:nvPr/>
+        </p:nvSpPr>
+        <p:spPr>
+          <a:xfrm>
+            <a:off x="4971294" y="1386603"/>
+            <a:ext cx="1386840" cy="2556350"/>
+          </a:xfrm>
+          <a:prstGeom prst="rect">
+            <a:avLst/>
+          </a:prstGeom>
+          <a:noFill/>
+          <a:ln w="9525">
+            <a:prstDash val="lgDash"/>
+          </a:ln>
+        </p:spPr>
+        <p:style>
+          <a:lnRef idx="1">
+            <a:schemeClr val="accent1"/>
+          </a:lnRef>
+          <a:fillRef idx="3">
+            <a:schemeClr val="accent1"/>
+          </a:fillRef>
+          <a:effectRef idx="2">
+            <a:schemeClr val="accent1"/>
+          </a:effectRef>
+          <a:fontRef idx="minor">
+            <a:schemeClr val="lt1"/>
+          </a:fontRef>
+        </p:style>
+        <p:txBody>
+          <a:bodyPr rtlCol="0" anchor="ctr"/>
+          <a:lstStyle/>
+          <a:p>
+            <a:pPr algn="ctr"/>
             <a:endParaRPr lang="en-US"/>
           </a:p>
         </p:txBody>
       </p:sp>
       <p:sp>
         <p:nvSpPr>
-          <p:cNvPr id="5" name="Rectangle 4"/>
+          <p:cNvPr id="9" name="Oval 8"/>
           <p:cNvSpPr/>
           <p:nvPr/>
         </p:nvSpPr>
         <p:spPr>
           <a:xfrm>
-            <a:off x="1456267" y="1684867"/>
-            <a:ext cx="660400" cy="558800"/>
+            <a:off x="5298927" y="1702251"/>
+            <a:ext cx="670560" cy="449580"/>
+          </a:xfrm>
+          <a:prstGeom prst="ellipse">
+            <a:avLst/>
+          </a:prstGeom>
+          <a:solidFill>
+            <a:srgbClr val="0070C0"/>
+          </a:solidFill>
+          <a:ln w="19050">
+            <a:solidFill>
+              <a:schemeClr val="tx1"/>
+            </a:solidFill>
+          </a:ln>
+        </p:spPr>
+        <p:style>
+          <a:lnRef idx="1">
+            <a:schemeClr val="accent1"/>
+          </a:lnRef>
+          <a:fillRef idx="3">
+            <a:schemeClr val="accent1"/>
+          </a:fillRef>
+          <a:effectRef idx="2">
+            <a:schemeClr val="accent1"/>
+          </a:effectRef>
+          <a:fontRef idx="minor">
+            <a:schemeClr val="lt1"/>
+          </a:fontRef>
+        </p:style>
+        <p:txBody>
+          <a:bodyPr rtlCol="0" anchor="ctr"/>
+          <a:lstStyle/>
+          <a:p>
+            <a:pPr algn="ctr"/>
+            <a:r>
+              <a:rPr lang="en-US" sz="1200" dirty="0" smtClean="0"/>
+              <a:t>host</a:t>
+            </a:r>
+            <a:endParaRPr lang="en-US" sz="1200" dirty="0"/>
+          </a:p>
+        </p:txBody>
+      </p:sp>
+      <p:sp>
+        <p:nvSpPr>
+          <p:cNvPr id="10" name="Rectangle 9"/>
+          <p:cNvSpPr/>
+          <p:nvPr/>
+        </p:nvSpPr>
+        <p:spPr>
+          <a:xfrm>
+            <a:off x="5122819" y="3416892"/>
+            <a:ext cx="1148210" cy="304800"/>
           </a:xfrm>
           <a:prstGeom prst="rect">
             <a:avLst/>
@@ -5104,208 +5233,91 @@
               <a:lumMod val="75000"/>
             </a:schemeClr>
           </a:solidFill>
+        </p:spPr>
+        <p:style>
+          <a:lnRef idx="1">
+            <a:schemeClr val="accent1"/>
+          </a:lnRef>
+          <a:fillRef idx="3">
+            <a:schemeClr val="accent1"/>
+          </a:fillRef>
+          <a:effectRef idx="2">
+            <a:schemeClr val="accent1"/>
+          </a:effectRef>
+          <a:fontRef idx="minor">
+            <a:schemeClr val="lt1"/>
+          </a:fontRef>
+        </p:style>
+        <p:txBody>
+          <a:bodyPr rtlCol="0" anchor="ctr"/>
+          <a:lstStyle/>
+          <a:p>
+            <a:pPr algn="ctr"/>
+            <a:r>
+              <a:rPr lang="en-US" sz="1400" smtClean="0"/>
+              <a:t>accelerator</a:t>
+            </a:r>
+            <a:endParaRPr lang="en-US" sz="1400" dirty="0"/>
+          </a:p>
+        </p:txBody>
+      </p:sp>
+      <p:sp>
+        <p:nvSpPr>
+          <p:cNvPr id="20" name="TextBox 19"/>
+          <p:cNvSpPr txBox="1"/>
+          <p:nvPr/>
+        </p:nvSpPr>
+        <p:spPr>
+          <a:xfrm>
+            <a:off x="6240522" y="1891746"/>
+            <a:ext cx="1569665" cy="461665"/>
+          </a:xfrm>
+          <a:prstGeom prst="rect">
+            <a:avLst/>
+          </a:prstGeom>
+          <a:noFill/>
           <a:ln>
-            <a:solidFill>
-              <a:schemeClr val="tx1"/>
-            </a:solidFill>
-          </a:ln>
-        </p:spPr>
-        <p:style>
-          <a:lnRef idx="1">
-            <a:schemeClr val="accent1"/>
-          </a:lnRef>
-          <a:fillRef idx="3">
-            <a:schemeClr val="accent1"/>
-          </a:fillRef>
-          <a:effectRef idx="2">
-            <a:schemeClr val="accent1"/>
-          </a:effectRef>
-          <a:fontRef idx="minor">
-            <a:schemeClr val="lt1"/>
-          </a:fontRef>
-        </p:style>
-        <p:txBody>
-          <a:bodyPr rtlCol="0" anchor="ctr"/>
-          <a:lstStyle/>
-          <a:p>
-            <a:pPr algn="ctr"/>
-            <a:r>
-              <a:rPr lang="en-US" dirty="0" smtClean="0"/>
-              <a:t>TB</a:t>
-            </a:r>
-            <a:endParaRPr lang="en-US" dirty="0"/>
-          </a:p>
-        </p:txBody>
-      </p:sp>
-      <p:sp>
-        <p:nvSpPr>
-          <p:cNvPr id="6" name="Rectangle 5"/>
+            <a:noFill/>
+          </a:ln>
+        </p:spPr>
+        <p:txBody>
+          <a:bodyPr wrap="square" rtlCol="0">
+            <a:spAutoFit/>
+          </a:bodyPr>
+          <a:lstStyle/>
+          <a:p>
+            <a:r>
+              <a:rPr lang="en-US" sz="1200" dirty="0" err="1" smtClean="0"/>
+              <a:t>gasnet_put_nb</a:t>
+            </a:r>
+            <a:r>
+              <a:rPr lang="en-US" sz="1200" dirty="0"/>
+              <a:t> </a:t>
+            </a:r>
+            <a:r>
+              <a:rPr lang="en-US" sz="1200" dirty="0" smtClean="0"/>
+              <a:t>(2)</a:t>
+            </a:r>
+          </a:p>
+          <a:p>
+            <a:r>
+              <a:rPr lang="en-US" sz="1200" dirty="0" smtClean="0"/>
+              <a:t>(send data location)</a:t>
+            </a:r>
+            <a:endParaRPr lang="en-US" sz="1200" dirty="0"/>
+          </a:p>
+        </p:txBody>
+      </p:sp>
+      <p:sp>
+        <p:nvSpPr>
+          <p:cNvPr id="21" name="Rectangle 20"/>
           <p:cNvSpPr/>
           <p:nvPr/>
         </p:nvSpPr>
         <p:spPr>
           <a:xfrm>
-            <a:off x="2243667" y="1684867"/>
-            <a:ext cx="660400" cy="558800"/>
-          </a:xfrm>
-          <a:prstGeom prst="rect">
-            <a:avLst/>
-          </a:prstGeom>
-          <a:solidFill>
-            <a:schemeClr val="tx1">
-              <a:lumMod val="50000"/>
-              <a:lumOff val="50000"/>
-            </a:schemeClr>
-          </a:solidFill>
-          <a:ln>
-            <a:solidFill>
-              <a:schemeClr val="tx1"/>
-            </a:solidFill>
-          </a:ln>
-        </p:spPr>
-        <p:style>
-          <a:lnRef idx="1">
-            <a:schemeClr val="accent1"/>
-          </a:lnRef>
-          <a:fillRef idx="3">
-            <a:schemeClr val="accent1"/>
-          </a:fillRef>
-          <a:effectRef idx="2">
-            <a:schemeClr val="accent1"/>
-          </a:effectRef>
-          <a:fontRef idx="minor">
-            <a:schemeClr val="lt1"/>
-          </a:fontRef>
-        </p:style>
-        <p:txBody>
-          <a:bodyPr rtlCol="0" anchor="ctr"/>
-          <a:lstStyle/>
-          <a:p>
-            <a:pPr algn="ctr"/>
-            <a:r>
-              <a:rPr lang="en-US" dirty="0" smtClean="0"/>
-              <a:t>TB</a:t>
-            </a:r>
-            <a:endParaRPr lang="en-US" dirty="0"/>
-          </a:p>
-        </p:txBody>
-      </p:sp>
-      <p:sp>
-        <p:nvSpPr>
-          <p:cNvPr id="7" name="Rectangle 6"/>
-          <p:cNvSpPr/>
-          <p:nvPr/>
-        </p:nvSpPr>
-        <p:spPr>
-          <a:xfrm>
-            <a:off x="3005666" y="1684867"/>
-            <a:ext cx="660400" cy="558800"/>
-          </a:xfrm>
-          <a:prstGeom prst="rect">
-            <a:avLst/>
-          </a:prstGeom>
-          <a:solidFill>
-            <a:schemeClr val="tx1">
-              <a:lumMod val="50000"/>
-              <a:lumOff val="50000"/>
-            </a:schemeClr>
-          </a:solidFill>
-          <a:ln>
-            <a:solidFill>
-              <a:schemeClr val="tx1"/>
-            </a:solidFill>
-          </a:ln>
-        </p:spPr>
-        <p:style>
-          <a:lnRef idx="1">
-            <a:schemeClr val="accent1"/>
-          </a:lnRef>
-          <a:fillRef idx="3">
-            <a:schemeClr val="accent1"/>
-          </a:fillRef>
-          <a:effectRef idx="2">
-            <a:schemeClr val="accent1"/>
-          </a:effectRef>
-          <a:fontRef idx="minor">
-            <a:schemeClr val="lt1"/>
-          </a:fontRef>
-        </p:style>
-        <p:txBody>
-          <a:bodyPr rtlCol="0" anchor="ctr"/>
-          <a:lstStyle/>
-          <a:p>
-            <a:pPr algn="ctr"/>
-            <a:r>
-              <a:rPr lang="en-US" dirty="0" smtClean="0"/>
-              <a:t>TB</a:t>
-            </a:r>
-            <a:endParaRPr lang="en-US" dirty="0"/>
-          </a:p>
-        </p:txBody>
-      </p:sp>
-      <p:sp>
-        <p:nvSpPr>
-          <p:cNvPr id="8" name="Rectangle 7"/>
-          <p:cNvSpPr/>
-          <p:nvPr/>
-        </p:nvSpPr>
-        <p:spPr>
-          <a:xfrm>
-            <a:off x="3793066" y="1684867"/>
-            <a:ext cx="660400" cy="558800"/>
-          </a:xfrm>
-          <a:prstGeom prst="rect">
-            <a:avLst/>
-          </a:prstGeom>
-          <a:solidFill>
-            <a:schemeClr val="tx1">
-              <a:lumMod val="50000"/>
-              <a:lumOff val="50000"/>
-            </a:schemeClr>
-          </a:solidFill>
-          <a:ln>
-            <a:solidFill>
-              <a:schemeClr val="tx1"/>
-            </a:solidFill>
-          </a:ln>
-        </p:spPr>
-        <p:style>
-          <a:lnRef idx="1">
-            <a:schemeClr val="accent1"/>
-          </a:lnRef>
-          <a:fillRef idx="3">
-            <a:schemeClr val="accent1"/>
-          </a:fillRef>
-          <a:effectRef idx="2">
-            <a:schemeClr val="accent1"/>
-          </a:effectRef>
-          <a:fontRef idx="minor">
-            <a:schemeClr val="lt1"/>
-          </a:fontRef>
-        </p:style>
-        <p:txBody>
-          <a:bodyPr rtlCol="0" anchor="ctr"/>
-          <a:lstStyle/>
-          <a:p>
-            <a:pPr algn="ctr"/>
-            <a:r>
-              <a:rPr lang="en-US" dirty="0" smtClean="0"/>
-              <a:t>TB</a:t>
-            </a:r>
-            <a:endParaRPr lang="en-US" dirty="0"/>
-          </a:p>
-        </p:txBody>
-      </p:sp>
-      <p:sp>
-        <p:nvSpPr>
-          <p:cNvPr id="9" name="Rectangle 8"/>
-          <p:cNvSpPr/>
-          <p:nvPr/>
-        </p:nvSpPr>
-        <p:spPr>
-          <a:xfrm>
-            <a:off x="1456267" y="2353734"/>
-            <a:ext cx="660400" cy="558800"/>
+            <a:off x="7747493" y="3416892"/>
+            <a:ext cx="1148210" cy="304800"/>
           </a:xfrm>
           <a:prstGeom prst="rect">
             <a:avLst/>
@@ -5315,116 +5327,361 @@
               <a:lumMod val="75000"/>
             </a:schemeClr>
           </a:solidFill>
+        </p:spPr>
+        <p:style>
+          <a:lnRef idx="1">
+            <a:schemeClr val="accent1"/>
+          </a:lnRef>
+          <a:fillRef idx="3">
+            <a:schemeClr val="accent1"/>
+          </a:fillRef>
+          <a:effectRef idx="2">
+            <a:schemeClr val="accent1"/>
+          </a:effectRef>
+          <a:fontRef idx="minor">
+            <a:schemeClr val="lt1"/>
+          </a:fontRef>
+        </p:style>
+        <p:txBody>
+          <a:bodyPr rtlCol="0" anchor="ctr"/>
+          <a:lstStyle/>
+          <a:p>
+            <a:pPr algn="ctr"/>
+            <a:r>
+              <a:rPr lang="en-US" sz="1400" smtClean="0"/>
+              <a:t>accelerator</a:t>
+            </a:r>
+            <a:endParaRPr lang="en-US" sz="1400" dirty="0"/>
+          </a:p>
+        </p:txBody>
+      </p:sp>
+      <p:cxnSp>
+        <p:nvCxnSpPr>
+          <p:cNvPr id="22" name="Curved Connector 21"/>
+          <p:cNvCxnSpPr>
+            <a:endCxn id="9" idx="1"/>
+          </p:cNvCxnSpPr>
+          <p:nvPr/>
+        </p:nvCxnSpPr>
+        <p:spPr>
+          <a:xfrm rot="16200000" flipH="1">
+            <a:off x="6795996" y="540461"/>
+            <a:ext cx="65839" cy="2389419"/>
+          </a:xfrm>
+          <a:prstGeom prst="curvedConnector3">
+            <a:avLst>
+              <a:gd name="adj1" fmla="val -771579"/>
+            </a:avLst>
+          </a:prstGeom>
           <a:ln>
             <a:solidFill>
               <a:schemeClr val="tx1"/>
             </a:solidFill>
-          </a:ln>
-        </p:spPr>
-        <p:style>
-          <a:lnRef idx="1">
-            <a:schemeClr val="accent1"/>
-          </a:lnRef>
-          <a:fillRef idx="3">
-            <a:schemeClr val="accent1"/>
-          </a:fillRef>
-          <a:effectRef idx="2">
-            <a:schemeClr val="accent1"/>
-          </a:effectRef>
-          <a:fontRef idx="minor">
-            <a:schemeClr val="lt1"/>
-          </a:fontRef>
-        </p:style>
-        <p:txBody>
-          <a:bodyPr rtlCol="0" anchor="ctr"/>
-          <a:lstStyle/>
-          <a:p>
-            <a:pPr algn="ctr"/>
-            <a:r>
-              <a:rPr lang="en-US" dirty="0" smtClean="0"/>
-              <a:t>TB</a:t>
-            </a:r>
-            <a:endParaRPr lang="en-US" dirty="0"/>
-          </a:p>
-        </p:txBody>
-      </p:sp>
-      <p:sp>
-        <p:nvSpPr>
-          <p:cNvPr id="10" name="Rectangle 9"/>
-          <p:cNvSpPr/>
-          <p:nvPr/>
-        </p:nvSpPr>
-        <p:spPr>
-          <a:xfrm>
-            <a:off x="2243667" y="2353734"/>
-            <a:ext cx="660400" cy="558800"/>
+            <a:tailEnd type="triangle"/>
+          </a:ln>
+        </p:spPr>
+        <p:style>
+          <a:lnRef idx="2">
+            <a:schemeClr val="accent1"/>
+          </a:lnRef>
+          <a:fillRef idx="0">
+            <a:schemeClr val="accent1"/>
+          </a:fillRef>
+          <a:effectRef idx="1">
+            <a:schemeClr val="accent1"/>
+          </a:effectRef>
+          <a:fontRef idx="minor">
+            <a:schemeClr val="tx1"/>
+          </a:fontRef>
+        </p:style>
+      </p:cxnSp>
+      <p:sp>
+        <p:nvSpPr>
+          <p:cNvPr id="23" name="TextBox 22"/>
+          <p:cNvSpPr txBox="1"/>
+          <p:nvPr/>
+        </p:nvSpPr>
+        <p:spPr>
+          <a:xfrm>
+            <a:off x="6070580" y="1270739"/>
+            <a:ext cx="1652925" cy="461665"/>
           </a:xfrm>
           <a:prstGeom prst="rect">
             <a:avLst/>
           </a:prstGeom>
-          <a:solidFill>
-            <a:schemeClr val="tx1">
-              <a:lumMod val="50000"/>
-              <a:lumOff val="50000"/>
-            </a:schemeClr>
-          </a:solidFill>
+          <a:noFill/>
+        </p:spPr>
+        <p:txBody>
+          <a:bodyPr wrap="square" rtlCol="0">
+            <a:spAutoFit/>
+          </a:bodyPr>
+          <a:lstStyle/>
+          <a:p>
+            <a:r>
+              <a:rPr lang="en-US" sz="1200" dirty="0" smtClean="0"/>
+              <a:t>(</a:t>
+            </a:r>
+            <a:r>
+              <a:rPr lang="en-US" sz="1200" dirty="0" smtClean="0"/>
+              <a:t>1) </a:t>
+            </a:r>
+            <a:r>
+              <a:rPr lang="en-US" sz="1200" dirty="0" smtClean="0"/>
+              <a:t>R</a:t>
+            </a:r>
+            <a:r>
+              <a:rPr lang="en-US" sz="1200" dirty="0" smtClean="0"/>
+              <a:t>emote </a:t>
+            </a:r>
+            <a:r>
+              <a:rPr lang="en-US" sz="1200" dirty="0" smtClean="0"/>
+              <a:t>procedural </a:t>
+            </a:r>
+            <a:r>
+              <a:rPr lang="en-US" sz="1200" dirty="0" smtClean="0"/>
+              <a:t>call to request a parcel</a:t>
+            </a:r>
+            <a:endParaRPr lang="en-US" sz="1200" dirty="0"/>
+          </a:p>
+        </p:txBody>
+      </p:sp>
+      <p:cxnSp>
+        <p:nvCxnSpPr>
+          <p:cNvPr id="30" name="Curved Connector 29"/>
+          <p:cNvCxnSpPr>
+            <a:stCxn id="9" idx="3"/>
+          </p:cNvCxnSpPr>
+          <p:nvPr/>
+        </p:nvCxnSpPr>
+        <p:spPr>
+          <a:xfrm rot="5400000">
+            <a:off x="6795998" y="924202"/>
+            <a:ext cx="65839" cy="2389419"/>
+          </a:xfrm>
+          <a:prstGeom prst="curvedConnector3">
+            <a:avLst>
+              <a:gd name="adj1" fmla="val 941721"/>
+            </a:avLst>
+          </a:prstGeom>
           <a:ln>
             <a:solidFill>
               <a:schemeClr val="tx1"/>
             </a:solidFill>
-          </a:ln>
-        </p:spPr>
-        <p:style>
-          <a:lnRef idx="1">
-            <a:schemeClr val="accent1"/>
-          </a:lnRef>
-          <a:fillRef idx="3">
-            <a:schemeClr val="accent1"/>
-          </a:fillRef>
-          <a:effectRef idx="2">
-            <a:schemeClr val="accent1"/>
-          </a:effectRef>
-          <a:fontRef idx="minor">
-            <a:schemeClr val="lt1"/>
-          </a:fontRef>
-        </p:style>
-        <p:txBody>
-          <a:bodyPr rtlCol="0" anchor="ctr"/>
-          <a:lstStyle/>
-          <a:p>
-            <a:pPr algn="ctr"/>
-            <a:r>
-              <a:rPr lang="en-US" dirty="0" smtClean="0"/>
-              <a:t>TB</a:t>
-            </a:r>
-            <a:endParaRPr lang="en-US" dirty="0"/>
-          </a:p>
-        </p:txBody>
-      </p:sp>
-      <p:sp>
-        <p:nvSpPr>
-          <p:cNvPr id="11" name="Rectangle 10"/>
-          <p:cNvSpPr/>
-          <p:nvPr/>
-        </p:nvSpPr>
-        <p:spPr>
-          <a:xfrm>
-            <a:off x="3005666" y="2353734"/>
-            <a:ext cx="660400" cy="558800"/>
+            <a:headEnd type="arrow"/>
+            <a:tailEnd type="none"/>
+          </a:ln>
+        </p:spPr>
+        <p:style>
+          <a:lnRef idx="2">
+            <a:schemeClr val="accent1"/>
+          </a:lnRef>
+          <a:fillRef idx="0">
+            <a:schemeClr val="accent1"/>
+          </a:fillRef>
+          <a:effectRef idx="1">
+            <a:schemeClr val="accent1"/>
+          </a:effectRef>
+          <a:fontRef idx="minor">
+            <a:schemeClr val="tx1"/>
+          </a:fontRef>
+        </p:style>
+      </p:cxnSp>
+      <p:sp>
+        <p:nvSpPr>
+          <p:cNvPr id="31" name="TextBox 30"/>
+          <p:cNvSpPr txBox="1"/>
+          <p:nvPr/>
+        </p:nvSpPr>
+        <p:spPr>
+          <a:xfrm>
+            <a:off x="6287287" y="2413110"/>
+            <a:ext cx="1537045" cy="276999"/>
           </a:xfrm>
           <a:prstGeom prst="rect">
             <a:avLst/>
           </a:prstGeom>
-          <a:solidFill>
-            <a:schemeClr val="tx1">
-              <a:lumMod val="50000"/>
-              <a:lumOff val="50000"/>
-            </a:schemeClr>
-          </a:solidFill>
+          <a:noFill/>
+        </p:spPr>
+        <p:txBody>
+          <a:bodyPr wrap="square" rtlCol="0">
+            <a:spAutoFit/>
+          </a:bodyPr>
+          <a:lstStyle/>
+          <a:p>
+            <a:r>
+              <a:rPr lang="en-US" sz="1200" dirty="0" smtClean="0"/>
+              <a:t>(</a:t>
+            </a:r>
+            <a:r>
+              <a:rPr lang="en-US" sz="1200" dirty="0" smtClean="0"/>
+              <a:t>4</a:t>
+            </a:r>
+            <a:r>
+              <a:rPr lang="en-US" sz="1200" dirty="0" smtClean="0"/>
+              <a:t>) Notify owner</a:t>
+            </a:r>
+            <a:endParaRPr lang="en-US" sz="1200" dirty="0"/>
+          </a:p>
+        </p:txBody>
+      </p:sp>
+      <p:cxnSp>
+        <p:nvCxnSpPr>
+          <p:cNvPr id="32" name="Straight Connector 31"/>
+          <p:cNvCxnSpPr/>
+          <p:nvPr/>
+        </p:nvCxnSpPr>
+        <p:spPr>
+          <a:xfrm flipH="1">
+            <a:off x="6303779" y="3568947"/>
+            <a:ext cx="1371600" cy="0"/>
+          </a:xfrm>
+          <a:prstGeom prst="line">
+            <a:avLst/>
+          </a:prstGeom>
+          <a:ln w="25400">
+            <a:solidFill>
+              <a:schemeClr val="tx1"/>
+            </a:solidFill>
+            <a:headEnd type="none" w="med" len="med"/>
+            <a:tailEnd type="arrow" w="med" len="med"/>
+          </a:ln>
+        </p:spPr>
+        <p:style>
+          <a:lnRef idx="2">
+            <a:schemeClr val="accent1"/>
+          </a:lnRef>
+          <a:fillRef idx="0">
+            <a:schemeClr val="accent1"/>
+          </a:fillRef>
+          <a:effectRef idx="1">
+            <a:schemeClr val="accent1"/>
+          </a:effectRef>
+          <a:fontRef idx="minor">
+            <a:schemeClr val="tx1"/>
+          </a:fontRef>
+        </p:style>
+      </p:cxnSp>
+      <p:sp>
+        <p:nvSpPr>
+          <p:cNvPr id="35" name="TextBox 34"/>
+          <p:cNvSpPr txBox="1"/>
+          <p:nvPr/>
+        </p:nvSpPr>
+        <p:spPr>
+          <a:xfrm>
+            <a:off x="6379769" y="3535113"/>
+            <a:ext cx="1246382" cy="276999"/>
+          </a:xfrm>
+          <a:prstGeom prst="rect">
+            <a:avLst/>
+          </a:prstGeom>
+          <a:noFill/>
+        </p:spPr>
+        <p:txBody>
+          <a:bodyPr wrap="square" rtlCol="0">
+            <a:spAutoFit/>
+          </a:bodyPr>
+          <a:lstStyle/>
+          <a:p>
+            <a:r>
+              <a:rPr lang="en-US" sz="1200" dirty="0" smtClean="0"/>
+              <a:t>DMA/RDMA (3)</a:t>
+            </a:r>
+            <a:endParaRPr lang="en-US" sz="1200" dirty="0"/>
+          </a:p>
+        </p:txBody>
+      </p:sp>
+      <p:cxnSp>
+        <p:nvCxnSpPr>
+          <p:cNvPr id="38" name="Straight Connector 37"/>
+          <p:cNvCxnSpPr/>
+          <p:nvPr/>
+        </p:nvCxnSpPr>
+        <p:spPr>
+          <a:xfrm flipV="1">
+            <a:off x="1032805" y="2138944"/>
+            <a:ext cx="10186" cy="1280160"/>
+          </a:xfrm>
+          <a:prstGeom prst="line">
+            <a:avLst/>
+          </a:prstGeom>
           <a:ln>
             <a:solidFill>
               <a:schemeClr val="tx1"/>
             </a:solidFill>
+            <a:headEnd type="arrow" w="med" len="med"/>
+            <a:tailEnd type="none" w="med" len="med"/>
+          </a:ln>
+        </p:spPr>
+        <p:style>
+          <a:lnRef idx="2">
+            <a:schemeClr val="accent1"/>
+          </a:lnRef>
+          <a:fillRef idx="0">
+            <a:schemeClr val="accent1"/>
+          </a:fillRef>
+          <a:effectRef idx="1">
+            <a:schemeClr val="accent1"/>
+          </a:effectRef>
+          <a:fontRef idx="minor">
+            <a:schemeClr val="tx1"/>
+          </a:fontRef>
+        </p:style>
+      </p:cxnSp>
+      <p:cxnSp>
+        <p:nvCxnSpPr>
+          <p:cNvPr id="39" name="Straight Connector 38"/>
+          <p:cNvCxnSpPr/>
+          <p:nvPr/>
+        </p:nvCxnSpPr>
+        <p:spPr>
+          <a:xfrm flipH="1" flipV="1">
+            <a:off x="1458816" y="1943612"/>
+            <a:ext cx="1828800" cy="3450"/>
+          </a:xfrm>
+          <a:prstGeom prst="line">
+            <a:avLst/>
+          </a:prstGeom>
+          <a:ln>
+            <a:solidFill>
+              <a:schemeClr val="tx1"/>
+            </a:solidFill>
+            <a:headEnd type="none" w="med" len="med"/>
+            <a:tailEnd type="arrow" w="med" len="med"/>
+          </a:ln>
+        </p:spPr>
+        <p:style>
+          <a:lnRef idx="2">
+            <a:schemeClr val="accent1"/>
+          </a:lnRef>
+          <a:fillRef idx="0">
+            <a:schemeClr val="accent1"/>
+          </a:fillRef>
+          <a:effectRef idx="1">
+            <a:schemeClr val="accent1"/>
+          </a:effectRef>
+          <a:fontRef idx="minor">
+            <a:schemeClr val="tx1"/>
+          </a:fontRef>
+        </p:style>
+      </p:cxnSp>
+      <p:sp>
+        <p:nvSpPr>
+          <p:cNvPr id="40" name="Rectangle 39"/>
+          <p:cNvSpPr/>
+          <p:nvPr/>
+        </p:nvSpPr>
+        <p:spPr>
+          <a:xfrm>
+            <a:off x="3030569" y="1386603"/>
+            <a:ext cx="1386840" cy="2556350"/>
+          </a:xfrm>
+          <a:prstGeom prst="rect">
+            <a:avLst/>
+          </a:prstGeom>
+          <a:noFill/>
+          <a:ln w="6350">
+            <a:prstDash val="lgDash"/>
           </a:ln>
         </p:spPr>
         <p:style>
@@ -5446,24 +5703,723 @@
           <a:lstStyle/>
           <a:p>
             <a:pPr algn="ctr"/>
-            <a:r>
-              <a:rPr lang="en-US" dirty="0" smtClean="0"/>
-              <a:t>TB</a:t>
-            </a:r>
-            <a:endParaRPr lang="en-US" dirty="0"/>
-          </a:p>
-        </p:txBody>
-      </p:sp>
-      <p:sp>
-        <p:nvSpPr>
-          <p:cNvPr id="12" name="Rectangle 11"/>
+            <a:endParaRPr lang="en-US"/>
+          </a:p>
+        </p:txBody>
+      </p:sp>
+      <p:sp>
+        <p:nvSpPr>
+          <p:cNvPr id="41" name="Oval 40"/>
           <p:cNvSpPr/>
           <p:nvPr/>
         </p:nvSpPr>
         <p:spPr>
           <a:xfrm>
-            <a:off x="3793066" y="2353734"/>
-            <a:ext cx="660400" cy="558800"/>
+            <a:off x="3388709" y="1716584"/>
+            <a:ext cx="670560" cy="449580"/>
+          </a:xfrm>
+          <a:prstGeom prst="ellipse">
+            <a:avLst/>
+          </a:prstGeom>
+          <a:solidFill>
+            <a:srgbClr val="0070C0"/>
+          </a:solidFill>
+          <a:ln w="19050">
+            <a:solidFill>
+              <a:schemeClr val="tx1"/>
+            </a:solidFill>
+          </a:ln>
+        </p:spPr>
+        <p:style>
+          <a:lnRef idx="1">
+            <a:schemeClr val="accent1"/>
+          </a:lnRef>
+          <a:fillRef idx="3">
+            <a:schemeClr val="accent1"/>
+          </a:fillRef>
+          <a:effectRef idx="2">
+            <a:schemeClr val="accent1"/>
+          </a:effectRef>
+          <a:fontRef idx="minor">
+            <a:schemeClr val="lt1"/>
+          </a:fontRef>
+        </p:style>
+        <p:txBody>
+          <a:bodyPr rtlCol="0" anchor="ctr"/>
+          <a:lstStyle/>
+          <a:p>
+            <a:pPr algn="ctr"/>
+            <a:r>
+              <a:rPr lang="en-US" sz="1200" dirty="0" smtClean="0"/>
+              <a:t>host</a:t>
+            </a:r>
+            <a:endParaRPr lang="en-US" sz="1200" dirty="0"/>
+          </a:p>
+        </p:txBody>
+      </p:sp>
+      <p:sp>
+        <p:nvSpPr>
+          <p:cNvPr id="42" name="Rectangle 41"/>
+          <p:cNvSpPr/>
+          <p:nvPr/>
+        </p:nvSpPr>
+        <p:spPr>
+          <a:xfrm>
+            <a:off x="404071" y="1390053"/>
+            <a:ext cx="1386840" cy="2552900"/>
+          </a:xfrm>
+          <a:prstGeom prst="rect">
+            <a:avLst/>
+          </a:prstGeom>
+          <a:noFill/>
+          <a:ln w="9525">
+            <a:prstDash val="lgDash"/>
+          </a:ln>
+        </p:spPr>
+        <p:style>
+          <a:lnRef idx="1">
+            <a:schemeClr val="accent1"/>
+          </a:lnRef>
+          <a:fillRef idx="3">
+            <a:schemeClr val="accent1"/>
+          </a:fillRef>
+          <a:effectRef idx="2">
+            <a:schemeClr val="accent1"/>
+          </a:effectRef>
+          <a:fontRef idx="minor">
+            <a:schemeClr val="lt1"/>
+          </a:fontRef>
+        </p:style>
+        <p:txBody>
+          <a:bodyPr rtlCol="0" anchor="ctr"/>
+          <a:lstStyle/>
+          <a:p>
+            <a:pPr algn="ctr"/>
+            <a:endParaRPr lang="en-US"/>
+          </a:p>
+        </p:txBody>
+      </p:sp>
+      <p:sp>
+        <p:nvSpPr>
+          <p:cNvPr id="43" name="Oval 42"/>
+          <p:cNvSpPr/>
+          <p:nvPr/>
+        </p:nvSpPr>
+        <p:spPr>
+          <a:xfrm>
+            <a:off x="762211" y="1716584"/>
+            <a:ext cx="670560" cy="449580"/>
+          </a:xfrm>
+          <a:prstGeom prst="ellipse">
+            <a:avLst/>
+          </a:prstGeom>
+          <a:solidFill>
+            <a:srgbClr val="0070C0"/>
+          </a:solidFill>
+          <a:ln w="19050">
+            <a:solidFill>
+              <a:schemeClr val="tx1"/>
+            </a:solidFill>
+          </a:ln>
+        </p:spPr>
+        <p:style>
+          <a:lnRef idx="1">
+            <a:schemeClr val="accent1"/>
+          </a:lnRef>
+          <a:fillRef idx="3">
+            <a:schemeClr val="accent1"/>
+          </a:fillRef>
+          <a:effectRef idx="2">
+            <a:schemeClr val="accent1"/>
+          </a:effectRef>
+          <a:fontRef idx="minor">
+            <a:schemeClr val="lt1"/>
+          </a:fontRef>
+        </p:style>
+        <p:txBody>
+          <a:bodyPr rtlCol="0" anchor="ctr"/>
+          <a:lstStyle/>
+          <a:p>
+            <a:pPr algn="ctr"/>
+            <a:r>
+              <a:rPr lang="en-US" sz="1200" dirty="0" smtClean="0"/>
+              <a:t>host</a:t>
+            </a:r>
+            <a:endParaRPr lang="en-US" sz="1200" dirty="0"/>
+          </a:p>
+        </p:txBody>
+      </p:sp>
+      <p:sp>
+        <p:nvSpPr>
+          <p:cNvPr id="49" name="TextBox 48"/>
+          <p:cNvSpPr txBox="1"/>
+          <p:nvPr/>
+        </p:nvSpPr>
+        <p:spPr>
+          <a:xfrm rot="16200000">
+            <a:off x="3071478" y="2077014"/>
+            <a:ext cx="2126673" cy="276999"/>
+          </a:xfrm>
+          <a:prstGeom prst="rect">
+            <a:avLst/>
+          </a:prstGeom>
+          <a:noFill/>
+        </p:spPr>
+        <p:txBody>
+          <a:bodyPr wrap="square" rtlCol="0">
+            <a:spAutoFit/>
+          </a:bodyPr>
+          <a:lstStyle/>
+          <a:p>
+            <a:r>
+              <a:rPr lang="en-US" sz="1200" dirty="0" err="1" smtClean="0"/>
+              <a:t>cudaMemcpyAsync</a:t>
+            </a:r>
+            <a:endParaRPr lang="en-US" sz="1200" dirty="0" smtClean="0"/>
+          </a:p>
+        </p:txBody>
+      </p:sp>
+      <p:cxnSp>
+        <p:nvCxnSpPr>
+          <p:cNvPr id="50" name="Straight Connector 49"/>
+          <p:cNvCxnSpPr/>
+          <p:nvPr/>
+        </p:nvCxnSpPr>
+        <p:spPr>
+          <a:xfrm flipV="1">
+            <a:off x="903548" y="2138944"/>
+            <a:ext cx="10186" cy="1280160"/>
+          </a:xfrm>
+          <a:prstGeom prst="line">
+            <a:avLst/>
+          </a:prstGeom>
+          <a:ln>
+            <a:solidFill>
+              <a:schemeClr val="tx1"/>
+            </a:solidFill>
+            <a:headEnd type="arrow" w="med" len="med"/>
+            <a:tailEnd type="none" w="med" len="med"/>
+          </a:ln>
+        </p:spPr>
+        <p:style>
+          <a:lnRef idx="2">
+            <a:schemeClr val="accent1"/>
+          </a:lnRef>
+          <a:fillRef idx="0">
+            <a:schemeClr val="accent1"/>
+          </a:fillRef>
+          <a:effectRef idx="1">
+            <a:schemeClr val="accent1"/>
+          </a:effectRef>
+          <a:fontRef idx="minor">
+            <a:schemeClr val="tx1"/>
+          </a:fontRef>
+        </p:style>
+      </p:cxnSp>
+      <p:cxnSp>
+        <p:nvCxnSpPr>
+          <p:cNvPr id="51" name="Straight Connector 50"/>
+          <p:cNvCxnSpPr/>
+          <p:nvPr/>
+        </p:nvCxnSpPr>
+        <p:spPr>
+          <a:xfrm flipV="1">
+            <a:off x="1181814" y="2138944"/>
+            <a:ext cx="10186" cy="1280160"/>
+          </a:xfrm>
+          <a:prstGeom prst="line">
+            <a:avLst/>
+          </a:prstGeom>
+          <a:ln>
+            <a:solidFill>
+              <a:schemeClr val="tx1"/>
+            </a:solidFill>
+            <a:headEnd type="arrow" w="med" len="med"/>
+            <a:tailEnd type="none" w="med" len="med"/>
+          </a:ln>
+        </p:spPr>
+        <p:style>
+          <a:lnRef idx="2">
+            <a:schemeClr val="accent1"/>
+          </a:lnRef>
+          <a:fillRef idx="0">
+            <a:schemeClr val="accent1"/>
+          </a:fillRef>
+          <a:effectRef idx="1">
+            <a:schemeClr val="accent1"/>
+          </a:effectRef>
+          <a:fontRef idx="minor">
+            <a:schemeClr val="tx1"/>
+          </a:fontRef>
+        </p:style>
+      </p:cxnSp>
+      <p:cxnSp>
+        <p:nvCxnSpPr>
+          <p:cNvPr id="52" name="Straight Connector 51"/>
+          <p:cNvCxnSpPr/>
+          <p:nvPr/>
+        </p:nvCxnSpPr>
+        <p:spPr>
+          <a:xfrm flipV="1">
+            <a:off x="1311071" y="2138944"/>
+            <a:ext cx="10186" cy="1280160"/>
+          </a:xfrm>
+          <a:prstGeom prst="line">
+            <a:avLst/>
+          </a:prstGeom>
+          <a:ln>
+            <a:solidFill>
+              <a:schemeClr val="tx1"/>
+            </a:solidFill>
+            <a:headEnd type="arrow" w="med" len="med"/>
+            <a:tailEnd type="none" w="med" len="med"/>
+          </a:ln>
+        </p:spPr>
+        <p:style>
+          <a:lnRef idx="2">
+            <a:schemeClr val="accent1"/>
+          </a:lnRef>
+          <a:fillRef idx="0">
+            <a:schemeClr val="accent1"/>
+          </a:fillRef>
+          <a:effectRef idx="1">
+            <a:schemeClr val="accent1"/>
+          </a:effectRef>
+          <a:fontRef idx="minor">
+            <a:schemeClr val="tx1"/>
+          </a:fontRef>
+        </p:style>
+      </p:cxnSp>
+      <p:sp>
+        <p:nvSpPr>
+          <p:cNvPr id="53" name="TextBox 52"/>
+          <p:cNvSpPr txBox="1"/>
+          <p:nvPr/>
+        </p:nvSpPr>
+        <p:spPr>
+          <a:xfrm rot="16200000">
+            <a:off x="-166949" y="2398204"/>
+            <a:ext cx="1683250" cy="276999"/>
+          </a:xfrm>
+          <a:prstGeom prst="rect">
+            <a:avLst/>
+          </a:prstGeom>
+          <a:noFill/>
+        </p:spPr>
+        <p:txBody>
+          <a:bodyPr wrap="square" rtlCol="0">
+            <a:spAutoFit/>
+          </a:bodyPr>
+          <a:lstStyle/>
+          <a:p>
+            <a:r>
+              <a:rPr lang="en-US" sz="1200" dirty="0" err="1" smtClean="0"/>
+              <a:t>cudaMemcpyAsync</a:t>
+            </a:r>
+            <a:endParaRPr lang="en-US" sz="1200" dirty="0" smtClean="0"/>
+          </a:p>
+        </p:txBody>
+      </p:sp>
+      <p:sp>
+        <p:nvSpPr>
+          <p:cNvPr id="54" name="TextBox 53"/>
+          <p:cNvSpPr txBox="1"/>
+          <p:nvPr/>
+        </p:nvSpPr>
+        <p:spPr>
+          <a:xfrm>
+            <a:off x="1760052" y="1697874"/>
+            <a:ext cx="1339322" cy="276999"/>
+          </a:xfrm>
+          <a:prstGeom prst="rect">
+            <a:avLst/>
+          </a:prstGeom>
+          <a:noFill/>
+          <a:ln>
+            <a:noFill/>
+          </a:ln>
+        </p:spPr>
+        <p:txBody>
+          <a:bodyPr wrap="square" rtlCol="0">
+            <a:spAutoFit/>
+          </a:bodyPr>
+          <a:lstStyle/>
+          <a:p>
+            <a:r>
+              <a:rPr lang="en-US" sz="1200" dirty="0" err="1" smtClean="0"/>
+              <a:t>gasnet_put_nb</a:t>
+            </a:r>
+            <a:r>
+              <a:rPr lang="en-US" sz="1200" dirty="0"/>
+              <a:t> </a:t>
+            </a:r>
+            <a:r>
+              <a:rPr lang="en-US" sz="1200" dirty="0" smtClean="0"/>
+              <a:t>(4)</a:t>
+            </a:r>
+            <a:endParaRPr lang="en-US" sz="1200" dirty="0"/>
+          </a:p>
+        </p:txBody>
+      </p:sp>
+      <p:cxnSp>
+        <p:nvCxnSpPr>
+          <p:cNvPr id="56" name="Curved Connector 55"/>
+          <p:cNvCxnSpPr>
+            <a:endCxn id="43" idx="1"/>
+          </p:cNvCxnSpPr>
+          <p:nvPr/>
+        </p:nvCxnSpPr>
+        <p:spPr>
+          <a:xfrm rot="16200000" flipH="1">
+            <a:off x="2259280" y="554794"/>
+            <a:ext cx="65839" cy="2389419"/>
+          </a:xfrm>
+          <a:prstGeom prst="curvedConnector3">
+            <a:avLst>
+              <a:gd name="adj1" fmla="val -771579"/>
+            </a:avLst>
+          </a:prstGeom>
+          <a:ln>
+            <a:solidFill>
+              <a:schemeClr val="tx1"/>
+            </a:solidFill>
+            <a:tailEnd type="triangle"/>
+          </a:ln>
+        </p:spPr>
+        <p:style>
+          <a:lnRef idx="2">
+            <a:schemeClr val="accent1"/>
+          </a:lnRef>
+          <a:fillRef idx="0">
+            <a:schemeClr val="accent1"/>
+          </a:fillRef>
+          <a:effectRef idx="1">
+            <a:schemeClr val="accent1"/>
+          </a:effectRef>
+          <a:fontRef idx="minor">
+            <a:schemeClr val="tx1"/>
+          </a:fontRef>
+        </p:style>
+      </p:cxnSp>
+      <p:sp>
+        <p:nvSpPr>
+          <p:cNvPr id="57" name="TextBox 56"/>
+          <p:cNvSpPr txBox="1"/>
+          <p:nvPr/>
+        </p:nvSpPr>
+        <p:spPr>
+          <a:xfrm>
+            <a:off x="1735784" y="1178121"/>
+            <a:ext cx="1406520" cy="646331"/>
+          </a:xfrm>
+          <a:prstGeom prst="rect">
+            <a:avLst/>
+          </a:prstGeom>
+          <a:noFill/>
+        </p:spPr>
+        <p:txBody>
+          <a:bodyPr wrap="square" rtlCol="0">
+            <a:spAutoFit/>
+          </a:bodyPr>
+          <a:lstStyle/>
+          <a:p>
+            <a:r>
+              <a:rPr lang="en-US" sz="1200" dirty="0" smtClean="0"/>
+              <a:t>            (1) </a:t>
+            </a:r>
+          </a:p>
+          <a:p>
+            <a:r>
+              <a:rPr lang="en-US" sz="1200" dirty="0" smtClean="0"/>
+              <a:t>Requesting remote procedural cal</a:t>
+            </a:r>
+            <a:r>
+              <a:rPr lang="en-US" sz="1200" dirty="0"/>
+              <a:t>l</a:t>
+            </a:r>
+          </a:p>
+        </p:txBody>
+      </p:sp>
+      <p:sp>
+        <p:nvSpPr>
+          <p:cNvPr id="58" name="TextBox 57"/>
+          <p:cNvSpPr txBox="1"/>
+          <p:nvPr/>
+        </p:nvSpPr>
+        <p:spPr>
+          <a:xfrm>
+            <a:off x="3980811" y="3120382"/>
+            <a:ext cx="686747" cy="276999"/>
+          </a:xfrm>
+          <a:prstGeom prst="rect">
+            <a:avLst/>
+          </a:prstGeom>
+          <a:noFill/>
+        </p:spPr>
+        <p:txBody>
+          <a:bodyPr wrap="square" rtlCol="0">
+            <a:spAutoFit/>
+          </a:bodyPr>
+          <a:lstStyle/>
+          <a:p>
+            <a:r>
+              <a:rPr lang="en-US" sz="1200" dirty="0" smtClean="0"/>
+              <a:t>(2)</a:t>
+            </a:r>
+            <a:endParaRPr lang="en-US" sz="1200" dirty="0"/>
+          </a:p>
+        </p:txBody>
+      </p:sp>
+      <p:sp>
+        <p:nvSpPr>
+          <p:cNvPr id="59" name="TextBox 58"/>
+          <p:cNvSpPr txBox="1"/>
+          <p:nvPr/>
+        </p:nvSpPr>
+        <p:spPr>
+          <a:xfrm>
+            <a:off x="3180270" y="1140533"/>
+            <a:ext cx="1449505" cy="276999"/>
+          </a:xfrm>
+          <a:prstGeom prst="rect">
+            <a:avLst/>
+          </a:prstGeom>
+          <a:noFill/>
+        </p:spPr>
+        <p:txBody>
+          <a:bodyPr wrap="square" rtlCol="0">
+            <a:spAutoFit/>
+          </a:bodyPr>
+          <a:lstStyle/>
+          <a:p>
+            <a:r>
+              <a:rPr lang="en-US" sz="1200" dirty="0" err="1" smtClean="0"/>
+              <a:t>cudaStreamQuery</a:t>
+            </a:r>
+            <a:endParaRPr lang="en-US" sz="1200" dirty="0" smtClean="0"/>
+          </a:p>
+        </p:txBody>
+      </p:sp>
+      <p:sp>
+        <p:nvSpPr>
+          <p:cNvPr id="60" name="TextBox 59"/>
+          <p:cNvSpPr txBox="1"/>
+          <p:nvPr/>
+        </p:nvSpPr>
+        <p:spPr>
+          <a:xfrm>
+            <a:off x="3001181" y="1155363"/>
+            <a:ext cx="686747" cy="276999"/>
+          </a:xfrm>
+          <a:prstGeom prst="rect">
+            <a:avLst/>
+          </a:prstGeom>
+          <a:noFill/>
+        </p:spPr>
+        <p:txBody>
+          <a:bodyPr wrap="square" rtlCol="0">
+            <a:spAutoFit/>
+          </a:bodyPr>
+          <a:lstStyle/>
+          <a:p>
+            <a:r>
+              <a:rPr lang="en-US" sz="1200" dirty="0" smtClean="0"/>
+              <a:t>(3)</a:t>
+            </a:r>
+            <a:endParaRPr lang="en-US" sz="1200" dirty="0"/>
+          </a:p>
+        </p:txBody>
+      </p:sp>
+      <p:sp>
+        <p:nvSpPr>
+          <p:cNvPr id="61" name="Rectangle 60"/>
+          <p:cNvSpPr/>
+          <p:nvPr/>
+        </p:nvSpPr>
+        <p:spPr>
+          <a:xfrm rot="21387957">
+            <a:off x="2155093" y="2022490"/>
+            <a:ext cx="1357231" cy="276999"/>
+          </a:xfrm>
+          <a:prstGeom prst="rect">
+            <a:avLst/>
+          </a:prstGeom>
+        </p:spPr>
+        <p:txBody>
+          <a:bodyPr wrap="none">
+            <a:spAutoFit/>
+          </a:bodyPr>
+          <a:lstStyle/>
+          <a:p>
+            <a:r>
+              <a:rPr lang="en-US" sz="1200" dirty="0" err="1">
+                <a:solidFill>
+                  <a:srgbClr val="000000"/>
+                </a:solidFill>
+                <a:ea typeface="Calibri" charset="0"/>
+                <a:cs typeface="Calibri" charset="0"/>
+              </a:rPr>
+              <a:t>gasnet_try_syncnb</a:t>
+            </a:r>
+            <a:endParaRPr lang="en-US" sz="1200" dirty="0">
+              <a:ea typeface="Calibri" charset="0"/>
+              <a:cs typeface="Calibri" charset="0"/>
+            </a:endParaRPr>
+          </a:p>
+        </p:txBody>
+      </p:sp>
+      <p:sp>
+        <p:nvSpPr>
+          <p:cNvPr id="62" name="TextBox 61"/>
+          <p:cNvSpPr txBox="1"/>
+          <p:nvPr/>
+        </p:nvSpPr>
+        <p:spPr>
+          <a:xfrm>
+            <a:off x="358552" y="3033130"/>
+            <a:ext cx="686747" cy="276999"/>
+          </a:xfrm>
+          <a:prstGeom prst="rect">
+            <a:avLst/>
+          </a:prstGeom>
+          <a:noFill/>
+        </p:spPr>
+        <p:txBody>
+          <a:bodyPr wrap="square" rtlCol="0">
+            <a:spAutoFit/>
+          </a:bodyPr>
+          <a:lstStyle/>
+          <a:p>
+            <a:r>
+              <a:rPr lang="en-US" sz="1200" dirty="0" smtClean="0"/>
+              <a:t>(7)</a:t>
+            </a:r>
+            <a:endParaRPr lang="en-US" sz="1200" dirty="0"/>
+          </a:p>
+        </p:txBody>
+      </p:sp>
+      <p:sp>
+        <p:nvSpPr>
+          <p:cNvPr id="63" name="TextBox 62"/>
+          <p:cNvSpPr txBox="1"/>
+          <p:nvPr/>
+        </p:nvSpPr>
+        <p:spPr>
+          <a:xfrm>
+            <a:off x="2671637" y="2207487"/>
+            <a:ext cx="686747" cy="276999"/>
+          </a:xfrm>
+          <a:prstGeom prst="rect">
+            <a:avLst/>
+          </a:prstGeom>
+          <a:noFill/>
+        </p:spPr>
+        <p:txBody>
+          <a:bodyPr wrap="square" rtlCol="0">
+            <a:spAutoFit/>
+          </a:bodyPr>
+          <a:lstStyle/>
+          <a:p>
+            <a:r>
+              <a:rPr lang="en-US" sz="1200" dirty="0" smtClean="0"/>
+              <a:t>(5)</a:t>
+            </a:r>
+            <a:endParaRPr lang="en-US" sz="1200" dirty="0"/>
+          </a:p>
+        </p:txBody>
+      </p:sp>
+      <p:cxnSp>
+        <p:nvCxnSpPr>
+          <p:cNvPr id="64" name="Curved Connector 63"/>
+          <p:cNvCxnSpPr>
+            <a:stCxn id="43" idx="3"/>
+          </p:cNvCxnSpPr>
+          <p:nvPr/>
+        </p:nvCxnSpPr>
+        <p:spPr>
+          <a:xfrm rot="5400000">
+            <a:off x="2259282" y="938535"/>
+            <a:ext cx="65839" cy="2389419"/>
+          </a:xfrm>
+          <a:prstGeom prst="curvedConnector3">
+            <a:avLst>
+              <a:gd name="adj1" fmla="val 910158"/>
+            </a:avLst>
+          </a:prstGeom>
+          <a:ln>
+            <a:solidFill>
+              <a:schemeClr val="tx1"/>
+            </a:solidFill>
+            <a:tailEnd type="triangle"/>
+          </a:ln>
+        </p:spPr>
+        <p:style>
+          <a:lnRef idx="2">
+            <a:schemeClr val="accent1"/>
+          </a:lnRef>
+          <a:fillRef idx="0">
+            <a:schemeClr val="accent1"/>
+          </a:fillRef>
+          <a:effectRef idx="1">
+            <a:schemeClr val="accent1"/>
+          </a:effectRef>
+          <a:fontRef idx="minor">
+            <a:schemeClr val="tx1"/>
+          </a:fontRef>
+        </p:style>
+      </p:cxnSp>
+      <p:sp>
+        <p:nvSpPr>
+          <p:cNvPr id="65" name="TextBox 64"/>
+          <p:cNvSpPr txBox="1"/>
+          <p:nvPr/>
+        </p:nvSpPr>
+        <p:spPr>
+          <a:xfrm>
+            <a:off x="1731629" y="2696363"/>
+            <a:ext cx="1537045" cy="830997"/>
+          </a:xfrm>
+          <a:prstGeom prst="rect">
+            <a:avLst/>
+          </a:prstGeom>
+          <a:noFill/>
+        </p:spPr>
+        <p:txBody>
+          <a:bodyPr wrap="square" rtlCol="0">
+            <a:spAutoFit/>
+          </a:bodyPr>
+          <a:lstStyle/>
+          <a:p>
+            <a:r>
+              <a:rPr lang="en-US" sz="1200" dirty="0" smtClean="0"/>
+              <a:t>           (6) </a:t>
+            </a:r>
+          </a:p>
+          <a:p>
+            <a:r>
+              <a:rPr lang="en-US" sz="1200" dirty="0" smtClean="0"/>
+              <a:t>Responding remote </a:t>
+            </a:r>
+            <a:r>
+              <a:rPr lang="en-US" sz="1200" dirty="0"/>
+              <a:t>procedural call</a:t>
+            </a:r>
+          </a:p>
+          <a:p>
+            <a:endParaRPr lang="en-US" sz="1200" dirty="0"/>
+          </a:p>
+        </p:txBody>
+      </p:sp>
+      <p:sp>
+        <p:nvSpPr>
+          <p:cNvPr id="70" name="Rectangle 69"/>
+          <p:cNvSpPr/>
+          <p:nvPr/>
+        </p:nvSpPr>
+        <p:spPr>
+          <a:xfrm>
+            <a:off x="547358" y="3413427"/>
+            <a:ext cx="1148210" cy="304800"/>
           </a:xfrm>
           <a:prstGeom prst="rect">
             <a:avLst/>
@@ -5473,11 +6429,6 @@
               <a:lumMod val="75000"/>
             </a:schemeClr>
           </a:solidFill>
-          <a:ln>
-            <a:solidFill>
-              <a:schemeClr val="tx1"/>
-            </a:solidFill>
-          </a:ln>
         </p:spPr>
         <p:style>
           <a:lnRef idx="1">
@@ -5499,23 +6450,23 @@
           <a:p>
             <a:pPr algn="ctr"/>
             <a:r>
-              <a:rPr lang="en-US" dirty="0" smtClean="0"/>
-              <a:t>TB</a:t>
-            </a:r>
-            <a:endParaRPr lang="en-US" dirty="0"/>
-          </a:p>
-        </p:txBody>
-      </p:sp>
-      <p:sp>
-        <p:nvSpPr>
-          <p:cNvPr id="13" name="Rectangle 12"/>
+              <a:rPr lang="en-US" sz="1400" smtClean="0"/>
+              <a:t>accelerator</a:t>
+            </a:r>
+            <a:endParaRPr lang="en-US" sz="1400" dirty="0"/>
+          </a:p>
+        </p:txBody>
+      </p:sp>
+      <p:sp>
+        <p:nvSpPr>
+          <p:cNvPr id="71" name="Rectangle 70"/>
           <p:cNvSpPr/>
           <p:nvPr/>
         </p:nvSpPr>
         <p:spPr>
           <a:xfrm>
-            <a:off x="1456267" y="3022600"/>
-            <a:ext cx="660400" cy="558800"/>
+            <a:off x="3172032" y="3413427"/>
+            <a:ext cx="1148210" cy="304800"/>
           </a:xfrm>
           <a:prstGeom prst="rect">
             <a:avLst/>
@@ -5525,503 +6476,202 @@
               <a:lumMod val="75000"/>
             </a:schemeClr>
           </a:solidFill>
+        </p:spPr>
+        <p:style>
+          <a:lnRef idx="1">
+            <a:schemeClr val="accent1"/>
+          </a:lnRef>
+          <a:fillRef idx="3">
+            <a:schemeClr val="accent1"/>
+          </a:fillRef>
+          <a:effectRef idx="2">
+            <a:schemeClr val="accent1"/>
+          </a:effectRef>
+          <a:fontRef idx="minor">
+            <a:schemeClr val="lt1"/>
+          </a:fontRef>
+        </p:style>
+        <p:txBody>
+          <a:bodyPr rtlCol="0" anchor="ctr"/>
+          <a:lstStyle/>
+          <a:p>
+            <a:pPr algn="ctr"/>
+            <a:r>
+              <a:rPr lang="en-US" sz="1400" smtClean="0"/>
+              <a:t>accelerator</a:t>
+            </a:r>
+            <a:endParaRPr lang="en-US" sz="1400" dirty="0"/>
+          </a:p>
+        </p:txBody>
+      </p:sp>
+      <p:cxnSp>
+        <p:nvCxnSpPr>
+          <p:cNvPr id="72" name="Straight Connector 71"/>
+          <p:cNvCxnSpPr/>
+          <p:nvPr/>
+        </p:nvCxnSpPr>
+        <p:spPr>
+          <a:xfrm flipH="1">
+            <a:off x="1728318" y="3565482"/>
+            <a:ext cx="1371600" cy="0"/>
+          </a:xfrm>
+          <a:prstGeom prst="line">
+            <a:avLst/>
+          </a:prstGeom>
+          <a:ln w="25400">
+            <a:solidFill>
+              <a:schemeClr val="tx1"/>
+            </a:solidFill>
+            <a:headEnd type="none" w="med" len="med"/>
+            <a:tailEnd type="arrow" w="med" len="med"/>
+          </a:ln>
+        </p:spPr>
+        <p:style>
+          <a:lnRef idx="2">
+            <a:schemeClr val="accent1"/>
+          </a:lnRef>
+          <a:fillRef idx="0">
+            <a:schemeClr val="accent1"/>
+          </a:fillRef>
+          <a:effectRef idx="1">
+            <a:schemeClr val="accent1"/>
+          </a:effectRef>
+          <a:fontRef idx="minor">
+            <a:schemeClr val="tx1"/>
+          </a:fontRef>
+        </p:style>
+      </p:cxnSp>
+      <p:cxnSp>
+        <p:nvCxnSpPr>
+          <p:cNvPr id="74" name="Straight Connector 73"/>
+          <p:cNvCxnSpPr/>
+          <p:nvPr/>
+        </p:nvCxnSpPr>
+        <p:spPr>
+          <a:xfrm flipV="1">
+            <a:off x="3660935" y="2125831"/>
+            <a:ext cx="10186" cy="1280160"/>
+          </a:xfrm>
+          <a:prstGeom prst="line">
+            <a:avLst/>
+          </a:prstGeom>
           <a:ln>
             <a:solidFill>
               <a:schemeClr val="tx1"/>
             </a:solidFill>
-          </a:ln>
-        </p:spPr>
-        <p:style>
-          <a:lnRef idx="1">
-            <a:schemeClr val="accent1"/>
-          </a:lnRef>
-          <a:fillRef idx="3">
-            <a:schemeClr val="accent1"/>
-          </a:fillRef>
-          <a:effectRef idx="2">
-            <a:schemeClr val="accent1"/>
-          </a:effectRef>
-          <a:fontRef idx="minor">
-            <a:schemeClr val="lt1"/>
-          </a:fontRef>
-        </p:style>
-        <p:txBody>
-          <a:bodyPr rtlCol="0" anchor="ctr"/>
-          <a:lstStyle/>
-          <a:p>
-            <a:pPr algn="ctr"/>
-            <a:r>
-              <a:rPr lang="en-US" dirty="0" smtClean="0"/>
-              <a:t>TB</a:t>
-            </a:r>
-            <a:endParaRPr lang="en-US" dirty="0"/>
-          </a:p>
-        </p:txBody>
-      </p:sp>
-      <p:sp>
-        <p:nvSpPr>
-          <p:cNvPr id="14" name="Rectangle 13"/>
-          <p:cNvSpPr/>
-          <p:nvPr/>
-        </p:nvSpPr>
-        <p:spPr>
-          <a:xfrm>
-            <a:off x="2243667" y="3022600"/>
-            <a:ext cx="660400" cy="558800"/>
-          </a:xfrm>
-          <a:prstGeom prst="rect">
-            <a:avLst/>
-          </a:prstGeom>
-          <a:solidFill>
-            <a:schemeClr val="tx1">
-              <a:lumMod val="50000"/>
-              <a:lumOff val="50000"/>
-            </a:schemeClr>
-          </a:solidFill>
+            <a:headEnd type="none" w="med" len="med"/>
+            <a:tailEnd type="arrow" w="med" len="med"/>
+          </a:ln>
+        </p:spPr>
+        <p:style>
+          <a:lnRef idx="2">
+            <a:schemeClr val="accent1"/>
+          </a:lnRef>
+          <a:fillRef idx="0">
+            <a:schemeClr val="accent1"/>
+          </a:fillRef>
+          <a:effectRef idx="1">
+            <a:schemeClr val="accent1"/>
+          </a:effectRef>
+          <a:fontRef idx="minor">
+            <a:schemeClr val="tx1"/>
+          </a:fontRef>
+        </p:style>
+      </p:cxnSp>
+      <p:cxnSp>
+        <p:nvCxnSpPr>
+          <p:cNvPr id="75" name="Straight Connector 74"/>
+          <p:cNvCxnSpPr/>
+          <p:nvPr/>
+        </p:nvCxnSpPr>
+        <p:spPr>
+          <a:xfrm flipV="1">
+            <a:off x="3531678" y="2125831"/>
+            <a:ext cx="10186" cy="1280160"/>
+          </a:xfrm>
+          <a:prstGeom prst="line">
+            <a:avLst/>
+          </a:prstGeom>
           <a:ln>
             <a:solidFill>
               <a:schemeClr val="tx1"/>
             </a:solidFill>
-          </a:ln>
-        </p:spPr>
-        <p:style>
-          <a:lnRef idx="1">
-            <a:schemeClr val="accent1"/>
-          </a:lnRef>
-          <a:fillRef idx="3">
-            <a:schemeClr val="accent1"/>
-          </a:fillRef>
-          <a:effectRef idx="2">
-            <a:schemeClr val="accent1"/>
-          </a:effectRef>
-          <a:fontRef idx="minor">
-            <a:schemeClr val="lt1"/>
-          </a:fontRef>
-        </p:style>
-        <p:txBody>
-          <a:bodyPr rtlCol="0" anchor="ctr"/>
-          <a:lstStyle/>
-          <a:p>
-            <a:pPr algn="ctr"/>
-            <a:r>
-              <a:rPr lang="en-US" dirty="0" smtClean="0"/>
-              <a:t>TB</a:t>
-            </a:r>
-            <a:endParaRPr lang="en-US" dirty="0"/>
-          </a:p>
-        </p:txBody>
-      </p:sp>
-      <p:sp>
-        <p:nvSpPr>
-          <p:cNvPr id="15" name="Rectangle 14"/>
-          <p:cNvSpPr/>
-          <p:nvPr/>
-        </p:nvSpPr>
-        <p:spPr>
-          <a:xfrm>
-            <a:off x="3005666" y="3022600"/>
-            <a:ext cx="660400" cy="558800"/>
-          </a:xfrm>
-          <a:prstGeom prst="rect">
-            <a:avLst/>
-          </a:prstGeom>
-          <a:solidFill>
-            <a:schemeClr val="accent3">
-              <a:lumMod val="75000"/>
-            </a:schemeClr>
-          </a:solidFill>
+            <a:headEnd type="none" w="med" len="med"/>
+            <a:tailEnd type="arrow" w="med" len="med"/>
+          </a:ln>
+        </p:spPr>
+        <p:style>
+          <a:lnRef idx="2">
+            <a:schemeClr val="accent1"/>
+          </a:lnRef>
+          <a:fillRef idx="0">
+            <a:schemeClr val="accent1"/>
+          </a:fillRef>
+          <a:effectRef idx="1">
+            <a:schemeClr val="accent1"/>
+          </a:effectRef>
+          <a:fontRef idx="minor">
+            <a:schemeClr val="tx1"/>
+          </a:fontRef>
+        </p:style>
+      </p:cxnSp>
+      <p:cxnSp>
+        <p:nvCxnSpPr>
+          <p:cNvPr id="76" name="Straight Connector 75"/>
+          <p:cNvCxnSpPr/>
+          <p:nvPr/>
+        </p:nvCxnSpPr>
+        <p:spPr>
+          <a:xfrm flipV="1">
+            <a:off x="3809944" y="2125831"/>
+            <a:ext cx="10186" cy="1280160"/>
+          </a:xfrm>
+          <a:prstGeom prst="line">
+            <a:avLst/>
+          </a:prstGeom>
           <a:ln>
             <a:solidFill>
               <a:schemeClr val="tx1"/>
             </a:solidFill>
-          </a:ln>
-        </p:spPr>
-        <p:style>
-          <a:lnRef idx="1">
-            <a:schemeClr val="accent1"/>
-          </a:lnRef>
-          <a:fillRef idx="3">
-            <a:schemeClr val="accent1"/>
-          </a:fillRef>
-          <a:effectRef idx="2">
-            <a:schemeClr val="accent1"/>
-          </a:effectRef>
-          <a:fontRef idx="minor">
-            <a:schemeClr val="lt1"/>
-          </a:fontRef>
-        </p:style>
-        <p:txBody>
-          <a:bodyPr rtlCol="0" anchor="ctr"/>
-          <a:lstStyle/>
-          <a:p>
-            <a:pPr algn="ctr"/>
-            <a:r>
-              <a:rPr lang="en-US" dirty="0" smtClean="0"/>
-              <a:t>TB</a:t>
-            </a:r>
-            <a:endParaRPr lang="en-US" dirty="0"/>
-          </a:p>
-        </p:txBody>
-      </p:sp>
-      <p:sp>
-        <p:nvSpPr>
-          <p:cNvPr id="16" name="Rectangle 15"/>
-          <p:cNvSpPr/>
-          <p:nvPr/>
-        </p:nvSpPr>
-        <p:spPr>
-          <a:xfrm>
-            <a:off x="3793066" y="3022600"/>
-            <a:ext cx="660400" cy="558800"/>
-          </a:xfrm>
-          <a:prstGeom prst="rect">
-            <a:avLst/>
-          </a:prstGeom>
-          <a:solidFill>
-            <a:schemeClr val="accent3">
-              <a:lumMod val="75000"/>
-            </a:schemeClr>
-          </a:solidFill>
+            <a:headEnd type="none" w="med" len="med"/>
+            <a:tailEnd type="arrow" w="med" len="med"/>
+          </a:ln>
+        </p:spPr>
+        <p:style>
+          <a:lnRef idx="2">
+            <a:schemeClr val="accent1"/>
+          </a:lnRef>
+          <a:fillRef idx="0">
+            <a:schemeClr val="accent1"/>
+          </a:fillRef>
+          <a:effectRef idx="1">
+            <a:schemeClr val="accent1"/>
+          </a:effectRef>
+          <a:fontRef idx="minor">
+            <a:schemeClr val="tx1"/>
+          </a:fontRef>
+        </p:style>
+      </p:cxnSp>
+      <p:cxnSp>
+        <p:nvCxnSpPr>
+          <p:cNvPr id="77" name="Straight Connector 76"/>
+          <p:cNvCxnSpPr/>
+          <p:nvPr/>
+        </p:nvCxnSpPr>
+        <p:spPr>
+          <a:xfrm flipV="1">
+            <a:off x="3939201" y="2125831"/>
+            <a:ext cx="10186" cy="1280160"/>
+          </a:xfrm>
+          <a:prstGeom prst="line">
+            <a:avLst/>
+          </a:prstGeom>
           <a:ln>
             <a:solidFill>
               <a:schemeClr val="tx1"/>
             </a:solidFill>
-          </a:ln>
-        </p:spPr>
-        <p:style>
-          <a:lnRef idx="1">
-            <a:schemeClr val="accent1"/>
-          </a:lnRef>
-          <a:fillRef idx="3">
-            <a:schemeClr val="accent1"/>
-          </a:fillRef>
-          <a:effectRef idx="2">
-            <a:schemeClr val="accent1"/>
-          </a:effectRef>
-          <a:fontRef idx="minor">
-            <a:schemeClr val="lt1"/>
-          </a:fontRef>
-        </p:style>
-        <p:txBody>
-          <a:bodyPr rtlCol="0" anchor="ctr"/>
-          <a:lstStyle/>
-          <a:p>
-            <a:pPr algn="ctr"/>
-            <a:r>
-              <a:rPr lang="en-US" dirty="0" smtClean="0"/>
-              <a:t>TB</a:t>
-            </a:r>
-            <a:endParaRPr lang="en-US" dirty="0"/>
-          </a:p>
-        </p:txBody>
-      </p:sp>
-      <p:sp>
-        <p:nvSpPr>
-          <p:cNvPr id="17" name="Rectangle 16"/>
-          <p:cNvSpPr/>
-          <p:nvPr/>
-        </p:nvSpPr>
-        <p:spPr>
-          <a:xfrm>
-            <a:off x="1456267" y="3691467"/>
-            <a:ext cx="660400" cy="558800"/>
-          </a:xfrm>
-          <a:prstGeom prst="rect">
-            <a:avLst/>
-          </a:prstGeom>
-          <a:solidFill>
-            <a:schemeClr val="tx1">
-              <a:lumMod val="50000"/>
-              <a:lumOff val="50000"/>
-            </a:schemeClr>
-          </a:solidFill>
-          <a:ln>
-            <a:solidFill>
-              <a:schemeClr val="tx1"/>
-            </a:solidFill>
-          </a:ln>
-        </p:spPr>
-        <p:style>
-          <a:lnRef idx="1">
-            <a:schemeClr val="accent1"/>
-          </a:lnRef>
-          <a:fillRef idx="3">
-            <a:schemeClr val="accent1"/>
-          </a:fillRef>
-          <a:effectRef idx="2">
-            <a:schemeClr val="accent1"/>
-          </a:effectRef>
-          <a:fontRef idx="minor">
-            <a:schemeClr val="lt1"/>
-          </a:fontRef>
-        </p:style>
-        <p:txBody>
-          <a:bodyPr rtlCol="0" anchor="ctr"/>
-          <a:lstStyle/>
-          <a:p>
-            <a:pPr algn="ctr"/>
-            <a:r>
-              <a:rPr lang="en-US" dirty="0" smtClean="0"/>
-              <a:t>TB</a:t>
-            </a:r>
-            <a:endParaRPr lang="en-US" dirty="0"/>
-          </a:p>
-        </p:txBody>
-      </p:sp>
-      <p:sp>
-        <p:nvSpPr>
-          <p:cNvPr id="18" name="Rectangle 17"/>
-          <p:cNvSpPr/>
-          <p:nvPr/>
-        </p:nvSpPr>
-        <p:spPr>
-          <a:xfrm>
-            <a:off x="2243667" y="3691467"/>
-            <a:ext cx="660400" cy="558800"/>
-          </a:xfrm>
-          <a:prstGeom prst="rect">
-            <a:avLst/>
-          </a:prstGeom>
-          <a:solidFill>
-            <a:schemeClr val="accent3">
-              <a:lumMod val="75000"/>
-            </a:schemeClr>
-          </a:solidFill>
-          <a:ln>
-            <a:solidFill>
-              <a:schemeClr val="tx1"/>
-            </a:solidFill>
-          </a:ln>
-        </p:spPr>
-        <p:style>
-          <a:lnRef idx="1">
-            <a:schemeClr val="accent1"/>
-          </a:lnRef>
-          <a:fillRef idx="3">
-            <a:schemeClr val="accent1"/>
-          </a:fillRef>
-          <a:effectRef idx="2">
-            <a:schemeClr val="accent1"/>
-          </a:effectRef>
-          <a:fontRef idx="minor">
-            <a:schemeClr val="lt1"/>
-          </a:fontRef>
-        </p:style>
-        <p:txBody>
-          <a:bodyPr rtlCol="0" anchor="ctr"/>
-          <a:lstStyle/>
-          <a:p>
-            <a:pPr algn="ctr"/>
-            <a:r>
-              <a:rPr lang="en-US" dirty="0" smtClean="0"/>
-              <a:t>TB</a:t>
-            </a:r>
-            <a:endParaRPr lang="en-US" dirty="0"/>
-          </a:p>
-        </p:txBody>
-      </p:sp>
-      <p:sp>
-        <p:nvSpPr>
-          <p:cNvPr id="19" name="Rectangle 18"/>
-          <p:cNvSpPr/>
-          <p:nvPr/>
-        </p:nvSpPr>
-        <p:spPr>
-          <a:xfrm>
-            <a:off x="3005666" y="3691467"/>
-            <a:ext cx="660400" cy="558800"/>
-          </a:xfrm>
-          <a:prstGeom prst="rect">
-            <a:avLst/>
-          </a:prstGeom>
-          <a:solidFill>
-            <a:schemeClr val="tx1">
-              <a:lumMod val="50000"/>
-              <a:lumOff val="50000"/>
-            </a:schemeClr>
-          </a:solidFill>
-          <a:ln>
-            <a:solidFill>
-              <a:schemeClr val="tx1"/>
-            </a:solidFill>
-          </a:ln>
-        </p:spPr>
-        <p:style>
-          <a:lnRef idx="1">
-            <a:schemeClr val="accent1"/>
-          </a:lnRef>
-          <a:fillRef idx="3">
-            <a:schemeClr val="accent1"/>
-          </a:fillRef>
-          <a:effectRef idx="2">
-            <a:schemeClr val="accent1"/>
-          </a:effectRef>
-          <a:fontRef idx="minor">
-            <a:schemeClr val="lt1"/>
-          </a:fontRef>
-        </p:style>
-        <p:txBody>
-          <a:bodyPr rtlCol="0" anchor="ctr"/>
-          <a:lstStyle/>
-          <a:p>
-            <a:pPr algn="ctr"/>
-            <a:r>
-              <a:rPr lang="en-US" dirty="0" smtClean="0"/>
-              <a:t>TB</a:t>
-            </a:r>
-            <a:endParaRPr lang="en-US" dirty="0"/>
-          </a:p>
-        </p:txBody>
-      </p:sp>
-      <p:sp>
-        <p:nvSpPr>
-          <p:cNvPr id="20" name="Rectangle 19"/>
-          <p:cNvSpPr/>
-          <p:nvPr/>
-        </p:nvSpPr>
-        <p:spPr>
-          <a:xfrm>
-            <a:off x="3793066" y="3691467"/>
-            <a:ext cx="660400" cy="558800"/>
-          </a:xfrm>
-          <a:prstGeom prst="rect">
-            <a:avLst/>
-          </a:prstGeom>
-          <a:solidFill>
-            <a:schemeClr val="accent3">
-              <a:lumMod val="75000"/>
-            </a:schemeClr>
-          </a:solidFill>
-          <a:ln>
-            <a:solidFill>
-              <a:schemeClr val="tx1"/>
-            </a:solidFill>
-          </a:ln>
-        </p:spPr>
-        <p:style>
-          <a:lnRef idx="1">
-            <a:schemeClr val="accent1"/>
-          </a:lnRef>
-          <a:fillRef idx="3">
-            <a:schemeClr val="accent1"/>
-          </a:fillRef>
-          <a:effectRef idx="2">
-            <a:schemeClr val="accent1"/>
-          </a:effectRef>
-          <a:fontRef idx="minor">
-            <a:schemeClr val="lt1"/>
-          </a:fontRef>
-        </p:style>
-        <p:txBody>
-          <a:bodyPr rtlCol="0" anchor="ctr"/>
-          <a:lstStyle/>
-          <a:p>
-            <a:pPr algn="ctr"/>
-            <a:r>
-              <a:rPr lang="en-US" dirty="0" smtClean="0"/>
-              <a:t>TB</a:t>
-            </a:r>
-            <a:endParaRPr lang="en-US" dirty="0"/>
-          </a:p>
-        </p:txBody>
-      </p:sp>
-      <p:sp>
-        <p:nvSpPr>
-          <p:cNvPr id="21" name="Rectangle 20"/>
-          <p:cNvSpPr/>
-          <p:nvPr/>
-        </p:nvSpPr>
-        <p:spPr>
-          <a:xfrm>
-            <a:off x="1329266" y="4800600"/>
-            <a:ext cx="3251201" cy="228600"/>
-          </a:xfrm>
-          <a:prstGeom prst="rect">
-            <a:avLst/>
-          </a:prstGeom>
-          <a:solidFill>
-            <a:schemeClr val="bg1"/>
-          </a:solidFill>
-          <a:ln w="28575">
-            <a:solidFill>
-              <a:schemeClr val="tx1"/>
-            </a:solidFill>
-          </a:ln>
-        </p:spPr>
-        <p:style>
-          <a:lnRef idx="1">
-            <a:schemeClr val="accent1"/>
-          </a:lnRef>
-          <a:fillRef idx="3">
-            <a:schemeClr val="accent1"/>
-          </a:fillRef>
-          <a:effectRef idx="2">
-            <a:schemeClr val="accent1"/>
-          </a:effectRef>
-          <a:fontRef idx="minor">
-            <a:schemeClr val="lt1"/>
-          </a:fontRef>
-        </p:style>
-        <p:txBody>
-          <a:bodyPr rtlCol="0" anchor="ctr"/>
-          <a:lstStyle/>
-          <a:p>
-            <a:pPr algn="ctr"/>
-            <a:endParaRPr lang="en-US"/>
-          </a:p>
-        </p:txBody>
-      </p:sp>
-      <p:sp>
-        <p:nvSpPr>
-          <p:cNvPr id="22" name="TextBox 21"/>
-          <p:cNvSpPr txBox="1"/>
-          <p:nvPr/>
-        </p:nvSpPr>
-        <p:spPr>
-          <a:xfrm>
-            <a:off x="1358900" y="4206445"/>
-            <a:ext cx="2396067" cy="307777"/>
-          </a:xfrm>
-          <a:prstGeom prst="rect">
-            <a:avLst/>
-          </a:prstGeom>
-          <a:noFill/>
-        </p:spPr>
-        <p:txBody>
-          <a:bodyPr wrap="square" rtlCol="0">
-            <a:spAutoFit/>
-          </a:bodyPr>
-          <a:lstStyle/>
-          <a:p>
-            <a:r>
-              <a:rPr lang="en-US" sz="1400" dirty="0" smtClean="0"/>
-              <a:t>CUDA Thread Grid</a:t>
-            </a:r>
-            <a:endParaRPr lang="en-US" sz="1400" dirty="0"/>
-          </a:p>
-        </p:txBody>
-      </p:sp>
-      <p:cxnSp>
-        <p:nvCxnSpPr>
-          <p:cNvPr id="25" name="Straight Connector 24"/>
-          <p:cNvCxnSpPr>
-            <a:stCxn id="21" idx="0"/>
-            <a:endCxn id="21" idx="2"/>
-          </p:cNvCxnSpPr>
-          <p:nvPr/>
-        </p:nvCxnSpPr>
-        <p:spPr>
-          <a:xfrm>
-            <a:off x="2954867" y="4800600"/>
-            <a:ext cx="0" cy="228600"/>
-          </a:xfrm>
-          <a:prstGeom prst="line">
-            <a:avLst/>
-          </a:prstGeom>
-          <a:ln>
-            <a:solidFill>
-              <a:schemeClr val="tx1"/>
-            </a:solidFill>
+            <a:headEnd type="none" w="med" len="med"/>
+            <a:tailEnd type="arrow" w="med" len="med"/>
           </a:ln>
         </p:spPr>
         <p:style>
@@ -6039,621 +6689,10 @@
           </a:fontRef>
         </p:style>
       </p:cxnSp>
-      <p:cxnSp>
-        <p:nvCxnSpPr>
-          <p:cNvPr id="26" name="Straight Connector 25"/>
-          <p:cNvCxnSpPr/>
-          <p:nvPr/>
-        </p:nvCxnSpPr>
-        <p:spPr>
-          <a:xfrm>
-            <a:off x="2167467" y="4800600"/>
-            <a:ext cx="0" cy="228600"/>
-          </a:xfrm>
-          <a:prstGeom prst="line">
-            <a:avLst/>
-          </a:prstGeom>
-          <a:ln>
-            <a:solidFill>
-              <a:schemeClr val="tx1"/>
-            </a:solidFill>
-          </a:ln>
-        </p:spPr>
-        <p:style>
-          <a:lnRef idx="2">
-            <a:schemeClr val="accent1"/>
-          </a:lnRef>
-          <a:fillRef idx="0">
-            <a:schemeClr val="accent1"/>
-          </a:fillRef>
-          <a:effectRef idx="1">
-            <a:schemeClr val="accent1"/>
-          </a:effectRef>
-          <a:fontRef idx="minor">
-            <a:schemeClr val="tx1"/>
-          </a:fontRef>
-        </p:style>
-      </p:cxnSp>
-      <p:cxnSp>
-        <p:nvCxnSpPr>
-          <p:cNvPr id="27" name="Straight Connector 26"/>
-          <p:cNvCxnSpPr/>
-          <p:nvPr/>
-        </p:nvCxnSpPr>
-        <p:spPr>
-          <a:xfrm>
-            <a:off x="3754967" y="4800600"/>
-            <a:ext cx="0" cy="228600"/>
-          </a:xfrm>
-          <a:prstGeom prst="line">
-            <a:avLst/>
-          </a:prstGeom>
-          <a:ln>
-            <a:solidFill>
-              <a:schemeClr val="tx1"/>
-            </a:solidFill>
-          </a:ln>
-        </p:spPr>
-        <p:style>
-          <a:lnRef idx="2">
-            <a:schemeClr val="accent1"/>
-          </a:lnRef>
-          <a:fillRef idx="0">
-            <a:schemeClr val="accent1"/>
-          </a:fillRef>
-          <a:effectRef idx="1">
-            <a:schemeClr val="accent1"/>
-          </a:effectRef>
-          <a:fontRef idx="minor">
-            <a:schemeClr val="tx1"/>
-          </a:fontRef>
-        </p:style>
-      </p:cxnSp>
-      <p:cxnSp>
-        <p:nvCxnSpPr>
-          <p:cNvPr id="35" name="Elbow Connector 34"/>
-          <p:cNvCxnSpPr>
-            <a:stCxn id="5" idx="1"/>
-            <a:endCxn id="21" idx="1"/>
-          </p:cNvCxnSpPr>
-          <p:nvPr/>
-        </p:nvCxnSpPr>
-        <p:spPr>
-          <a:xfrm rot="10800000" flipV="1">
-            <a:off x="1329267" y="1964266"/>
-            <a:ext cx="127001" cy="2950633"/>
-          </a:xfrm>
-          <a:prstGeom prst="bentConnector3">
-            <a:avLst>
-              <a:gd name="adj1" fmla="val 279999"/>
-            </a:avLst>
-          </a:prstGeom>
-          <a:ln w="19050">
-            <a:solidFill>
-              <a:schemeClr val="tx1"/>
-            </a:solidFill>
-            <a:tailEnd type="triangle"/>
-          </a:ln>
-        </p:spPr>
-        <p:style>
-          <a:lnRef idx="2">
-            <a:schemeClr val="accent1"/>
-          </a:lnRef>
-          <a:fillRef idx="0">
-            <a:schemeClr val="accent1"/>
-          </a:fillRef>
-          <a:effectRef idx="1">
-            <a:schemeClr val="accent1"/>
-          </a:effectRef>
-          <a:fontRef idx="minor">
-            <a:schemeClr val="tx1"/>
-          </a:fontRef>
-        </p:style>
-      </p:cxnSp>
-      <p:cxnSp>
-        <p:nvCxnSpPr>
-          <p:cNvPr id="39" name="Straight Connector 38"/>
-          <p:cNvCxnSpPr>
-            <a:stCxn id="9" idx="1"/>
-          </p:cNvCxnSpPr>
-          <p:nvPr/>
-        </p:nvCxnSpPr>
-        <p:spPr>
-          <a:xfrm flipH="1" flipV="1">
-            <a:off x="1109133" y="2633133"/>
-            <a:ext cx="347134" cy="1"/>
-          </a:xfrm>
-          <a:prstGeom prst="line">
-            <a:avLst/>
-          </a:prstGeom>
-        </p:spPr>
-        <p:style>
-          <a:lnRef idx="2">
-            <a:schemeClr val="accent1"/>
-          </a:lnRef>
-          <a:fillRef idx="0">
-            <a:schemeClr val="accent1"/>
-          </a:fillRef>
-          <a:effectRef idx="1">
-            <a:schemeClr val="accent1"/>
-          </a:effectRef>
-          <a:fontRef idx="minor">
-            <a:schemeClr val="tx1"/>
-          </a:fontRef>
-        </p:style>
-      </p:cxnSp>
-      <p:cxnSp>
-        <p:nvCxnSpPr>
-          <p:cNvPr id="41" name="Elbow Connector 40"/>
-          <p:cNvCxnSpPr>
-            <a:stCxn id="13" idx="1"/>
-          </p:cNvCxnSpPr>
-          <p:nvPr/>
-        </p:nvCxnSpPr>
-        <p:spPr>
-          <a:xfrm rot="10800000" flipH="1" flipV="1">
-            <a:off x="1456266" y="3302000"/>
-            <a:ext cx="1100667" cy="1498600"/>
-          </a:xfrm>
-          <a:prstGeom prst="bentConnector4">
-            <a:avLst>
-              <a:gd name="adj1" fmla="val -20769"/>
-              <a:gd name="adj2" fmla="val 85311"/>
-            </a:avLst>
-          </a:prstGeom>
-          <a:ln w="19050">
-            <a:solidFill>
-              <a:schemeClr val="tx1"/>
-            </a:solidFill>
-            <a:tailEnd type="triangle"/>
-          </a:ln>
-        </p:spPr>
-        <p:style>
-          <a:lnRef idx="2">
-            <a:schemeClr val="accent1"/>
-          </a:lnRef>
-          <a:fillRef idx="0">
-            <a:schemeClr val="accent1"/>
-          </a:fillRef>
-          <a:effectRef idx="1">
-            <a:schemeClr val="accent1"/>
-          </a:effectRef>
-          <a:fontRef idx="minor">
-            <a:schemeClr val="tx1"/>
-          </a:fontRef>
-        </p:style>
-      </p:cxnSp>
-      <p:cxnSp>
-        <p:nvCxnSpPr>
-          <p:cNvPr id="45" name="Straight Arrow Connector 44"/>
-          <p:cNvCxnSpPr/>
-          <p:nvPr/>
-        </p:nvCxnSpPr>
-        <p:spPr>
-          <a:xfrm>
-            <a:off x="2819400" y="4250267"/>
-            <a:ext cx="0" cy="550333"/>
-          </a:xfrm>
-          <a:prstGeom prst="straightConnector1">
-            <a:avLst/>
-          </a:prstGeom>
-          <a:ln w="19050">
-            <a:solidFill>
-              <a:schemeClr val="tx1"/>
-            </a:solidFill>
-            <a:tailEnd type="triangle"/>
-          </a:ln>
-        </p:spPr>
-        <p:style>
-          <a:lnRef idx="2">
-            <a:schemeClr val="accent1"/>
-          </a:lnRef>
-          <a:fillRef idx="0">
-            <a:schemeClr val="accent1"/>
-          </a:fillRef>
-          <a:effectRef idx="1">
-            <a:schemeClr val="accent1"/>
-          </a:effectRef>
-          <a:fontRef idx="minor">
-            <a:schemeClr val="tx1"/>
-          </a:fontRef>
-        </p:style>
-      </p:cxnSp>
-      <p:cxnSp>
-        <p:nvCxnSpPr>
-          <p:cNvPr id="47" name="Straight Arrow Connector 46"/>
-          <p:cNvCxnSpPr/>
-          <p:nvPr/>
-        </p:nvCxnSpPr>
-        <p:spPr>
-          <a:xfrm>
-            <a:off x="3158066" y="3590149"/>
-            <a:ext cx="8467" cy="1219200"/>
-          </a:xfrm>
-          <a:prstGeom prst="straightConnector1">
-            <a:avLst/>
-          </a:prstGeom>
-          <a:ln w="19050">
-            <a:solidFill>
-              <a:schemeClr val="tx1"/>
-            </a:solidFill>
-            <a:tailEnd type="triangle"/>
-          </a:ln>
-        </p:spPr>
-        <p:style>
-          <a:lnRef idx="2">
-            <a:schemeClr val="accent1"/>
-          </a:lnRef>
-          <a:fillRef idx="0">
-            <a:schemeClr val="accent1"/>
-          </a:fillRef>
-          <a:effectRef idx="1">
-            <a:schemeClr val="accent1"/>
-          </a:effectRef>
-          <a:fontRef idx="minor">
-            <a:schemeClr val="tx1"/>
-          </a:fontRef>
-        </p:style>
-      </p:cxnSp>
-      <p:cxnSp>
-        <p:nvCxnSpPr>
-          <p:cNvPr id="49" name="Elbow Connector 48"/>
-          <p:cNvCxnSpPr>
-            <a:stCxn id="16" idx="1"/>
-          </p:cNvCxnSpPr>
-          <p:nvPr/>
-        </p:nvCxnSpPr>
-        <p:spPr>
-          <a:xfrm rot="10800000" flipV="1">
-            <a:off x="3513668" y="3302000"/>
-            <a:ext cx="279399" cy="1498600"/>
-          </a:xfrm>
-          <a:prstGeom prst="bentConnector2">
-            <a:avLst/>
-          </a:prstGeom>
-          <a:ln w="19050">
-            <a:solidFill>
-              <a:schemeClr val="tx1"/>
-            </a:solidFill>
-            <a:tailEnd type="triangle"/>
-          </a:ln>
-        </p:spPr>
-        <p:style>
-          <a:lnRef idx="2">
-            <a:schemeClr val="accent1"/>
-          </a:lnRef>
-          <a:fillRef idx="0">
-            <a:schemeClr val="accent1"/>
-          </a:fillRef>
-          <a:effectRef idx="1">
-            <a:schemeClr val="accent1"/>
-          </a:effectRef>
-          <a:fontRef idx="minor">
-            <a:schemeClr val="tx1"/>
-          </a:fontRef>
-        </p:style>
-      </p:cxnSp>
-      <p:cxnSp>
-        <p:nvCxnSpPr>
-          <p:cNvPr id="51" name="Elbow Connector 50"/>
-          <p:cNvCxnSpPr>
-            <a:stCxn id="12" idx="3"/>
-          </p:cNvCxnSpPr>
-          <p:nvPr/>
-        </p:nvCxnSpPr>
-        <p:spPr>
-          <a:xfrm flipH="1">
-            <a:off x="4157133" y="2633134"/>
-            <a:ext cx="296333" cy="2167466"/>
-          </a:xfrm>
-          <a:prstGeom prst="bentConnector4">
-            <a:avLst>
-              <a:gd name="adj1" fmla="val -77143"/>
-              <a:gd name="adj2" fmla="val 90429"/>
-            </a:avLst>
-          </a:prstGeom>
-          <a:ln w="19050">
-            <a:solidFill>
-              <a:schemeClr val="tx1"/>
-            </a:solidFill>
-            <a:tailEnd type="triangle"/>
-          </a:ln>
-        </p:spPr>
-        <p:style>
-          <a:lnRef idx="2">
-            <a:schemeClr val="accent1"/>
-          </a:lnRef>
-          <a:fillRef idx="0">
-            <a:schemeClr val="accent1"/>
-          </a:fillRef>
-          <a:effectRef idx="1">
-            <a:schemeClr val="accent1"/>
-          </a:effectRef>
-          <a:fontRef idx="minor">
-            <a:schemeClr val="tx1"/>
-          </a:fontRef>
-        </p:style>
-      </p:cxnSp>
-      <p:cxnSp>
-        <p:nvCxnSpPr>
-          <p:cNvPr id="54" name="Straight Arrow Connector 53"/>
-          <p:cNvCxnSpPr/>
-          <p:nvPr/>
-        </p:nvCxnSpPr>
-        <p:spPr>
-          <a:xfrm>
-            <a:off x="3937000" y="4250267"/>
-            <a:ext cx="0" cy="550333"/>
-          </a:xfrm>
-          <a:prstGeom prst="straightConnector1">
-            <a:avLst/>
-          </a:prstGeom>
-          <a:ln w="19050">
-            <a:solidFill>
-              <a:schemeClr val="tx1"/>
-            </a:solidFill>
-            <a:tailEnd type="triangle"/>
-          </a:ln>
-        </p:spPr>
-        <p:style>
-          <a:lnRef idx="2">
-            <a:schemeClr val="accent1"/>
-          </a:lnRef>
-          <a:fillRef idx="0">
-            <a:schemeClr val="accent1"/>
-          </a:fillRef>
-          <a:effectRef idx="1">
-            <a:schemeClr val="accent1"/>
-          </a:effectRef>
-          <a:fontRef idx="minor">
-            <a:schemeClr val="tx1"/>
-          </a:fontRef>
-        </p:style>
-      </p:cxnSp>
-      <p:sp>
-        <p:nvSpPr>
-          <p:cNvPr id="55" name="TextBox 54"/>
-          <p:cNvSpPr txBox="1"/>
-          <p:nvPr/>
-        </p:nvSpPr>
-        <p:spPr>
-          <a:xfrm>
-            <a:off x="1320800" y="4769990"/>
-            <a:ext cx="846668" cy="307777"/>
-          </a:xfrm>
-          <a:prstGeom prst="rect">
-            <a:avLst/>
-          </a:prstGeom>
-          <a:noFill/>
-        </p:spPr>
-        <p:txBody>
-          <a:bodyPr wrap="square" rtlCol="0">
-            <a:spAutoFit/>
-          </a:bodyPr>
-          <a:lstStyle/>
-          <a:p>
-            <a:r>
-              <a:rPr lang="en-US" sz="1400" dirty="0" smtClean="0"/>
-              <a:t>Worker 0</a:t>
-            </a:r>
-            <a:endParaRPr lang="en-US" sz="1400" dirty="0"/>
-          </a:p>
-        </p:txBody>
-      </p:sp>
-      <p:sp>
-        <p:nvSpPr>
-          <p:cNvPr id="56" name="TextBox 55"/>
-          <p:cNvSpPr txBox="1"/>
-          <p:nvPr/>
-        </p:nvSpPr>
-        <p:spPr>
-          <a:xfrm>
-            <a:off x="2133599" y="4769479"/>
-            <a:ext cx="846668" cy="307777"/>
-          </a:xfrm>
-          <a:prstGeom prst="rect">
-            <a:avLst/>
-          </a:prstGeom>
-          <a:noFill/>
-        </p:spPr>
-        <p:txBody>
-          <a:bodyPr wrap="square" rtlCol="0">
-            <a:spAutoFit/>
-          </a:bodyPr>
-          <a:lstStyle/>
-          <a:p>
-            <a:r>
-              <a:rPr lang="en-US" sz="1400" dirty="0" smtClean="0"/>
-              <a:t>Worker 1</a:t>
-            </a:r>
-            <a:endParaRPr lang="en-US" sz="1400" dirty="0"/>
-          </a:p>
-        </p:txBody>
-      </p:sp>
-      <p:sp>
-        <p:nvSpPr>
-          <p:cNvPr id="57" name="TextBox 56"/>
-          <p:cNvSpPr txBox="1"/>
-          <p:nvPr/>
-        </p:nvSpPr>
-        <p:spPr>
-          <a:xfrm>
-            <a:off x="2920999" y="4769479"/>
-            <a:ext cx="846668" cy="307777"/>
-          </a:xfrm>
-          <a:prstGeom prst="rect">
-            <a:avLst/>
-          </a:prstGeom>
-          <a:noFill/>
-        </p:spPr>
-        <p:txBody>
-          <a:bodyPr wrap="square" rtlCol="0">
-            <a:spAutoFit/>
-          </a:bodyPr>
-          <a:lstStyle/>
-          <a:p>
-            <a:r>
-              <a:rPr lang="en-US" sz="1400" dirty="0" smtClean="0"/>
-              <a:t>Worker 2</a:t>
-            </a:r>
-            <a:endParaRPr lang="en-US" sz="1400" dirty="0"/>
-          </a:p>
-        </p:txBody>
-      </p:sp>
-      <p:sp>
-        <p:nvSpPr>
-          <p:cNvPr id="58" name="TextBox 57"/>
-          <p:cNvSpPr txBox="1"/>
-          <p:nvPr/>
-        </p:nvSpPr>
-        <p:spPr>
-          <a:xfrm>
-            <a:off x="3742265" y="4769990"/>
-            <a:ext cx="846668" cy="307777"/>
-          </a:xfrm>
-          <a:prstGeom prst="rect">
-            <a:avLst/>
-          </a:prstGeom>
-          <a:noFill/>
-        </p:spPr>
-        <p:txBody>
-          <a:bodyPr wrap="square" rtlCol="0">
-            <a:spAutoFit/>
-          </a:bodyPr>
-          <a:lstStyle/>
-          <a:p>
-            <a:r>
-              <a:rPr lang="en-US" sz="1400" dirty="0" smtClean="0"/>
-              <a:t>Worker 3</a:t>
-            </a:r>
-            <a:endParaRPr lang="en-US" sz="1400" dirty="0"/>
-          </a:p>
-        </p:txBody>
-      </p:sp>
-      <p:sp>
-        <p:nvSpPr>
-          <p:cNvPr id="59" name="TextBox 58"/>
-          <p:cNvSpPr txBox="1"/>
-          <p:nvPr/>
-        </p:nvSpPr>
-        <p:spPr>
-          <a:xfrm>
-            <a:off x="1392767" y="5047903"/>
-            <a:ext cx="846668" cy="307777"/>
-          </a:xfrm>
-          <a:prstGeom prst="rect">
-            <a:avLst/>
-          </a:prstGeom>
-          <a:noFill/>
-        </p:spPr>
-        <p:txBody>
-          <a:bodyPr wrap="square" rtlCol="0">
-            <a:spAutoFit/>
-          </a:bodyPr>
-          <a:lstStyle/>
-          <a:p>
-            <a:r>
-              <a:rPr lang="en-US" sz="1400" dirty="0" smtClean="0"/>
-              <a:t>SM 0-1</a:t>
-            </a:r>
-            <a:endParaRPr lang="en-US" sz="1400" dirty="0"/>
-          </a:p>
-        </p:txBody>
-      </p:sp>
-      <p:sp>
-        <p:nvSpPr>
-          <p:cNvPr id="60" name="TextBox 59"/>
-          <p:cNvSpPr txBox="1"/>
-          <p:nvPr/>
-        </p:nvSpPr>
-        <p:spPr>
-          <a:xfrm>
-            <a:off x="2235196" y="5056652"/>
-            <a:ext cx="846668" cy="307777"/>
-          </a:xfrm>
-          <a:prstGeom prst="rect">
-            <a:avLst/>
-          </a:prstGeom>
-          <a:noFill/>
-        </p:spPr>
-        <p:txBody>
-          <a:bodyPr wrap="square" rtlCol="0">
-            <a:spAutoFit/>
-          </a:bodyPr>
-          <a:lstStyle/>
-          <a:p>
-            <a:r>
-              <a:rPr lang="en-US" sz="1400" dirty="0" smtClean="0"/>
-              <a:t>SM 2-3</a:t>
-            </a:r>
-            <a:endParaRPr lang="en-US" sz="1400" dirty="0"/>
-          </a:p>
-        </p:txBody>
-      </p:sp>
-      <p:sp>
-        <p:nvSpPr>
-          <p:cNvPr id="61" name="TextBox 60"/>
-          <p:cNvSpPr txBox="1"/>
-          <p:nvPr/>
-        </p:nvSpPr>
-        <p:spPr>
-          <a:xfrm>
-            <a:off x="3043768" y="5065401"/>
-            <a:ext cx="846668" cy="307777"/>
-          </a:xfrm>
-          <a:prstGeom prst="rect">
-            <a:avLst/>
-          </a:prstGeom>
-          <a:noFill/>
-        </p:spPr>
-        <p:txBody>
-          <a:bodyPr wrap="square" rtlCol="0">
-            <a:spAutoFit/>
-          </a:bodyPr>
-          <a:lstStyle/>
-          <a:p>
-            <a:r>
-              <a:rPr lang="en-US" sz="1400" dirty="0" smtClean="0"/>
-              <a:t>SM 4-5</a:t>
-            </a:r>
-            <a:endParaRPr lang="en-US" sz="1400" dirty="0"/>
-          </a:p>
-        </p:txBody>
-      </p:sp>
-      <p:sp>
-        <p:nvSpPr>
-          <p:cNvPr id="62" name="TextBox 61"/>
-          <p:cNvSpPr txBox="1"/>
-          <p:nvPr/>
-        </p:nvSpPr>
-        <p:spPr>
-          <a:xfrm>
-            <a:off x="3848101" y="5056651"/>
-            <a:ext cx="846668" cy="307777"/>
-          </a:xfrm>
-          <a:prstGeom prst="rect">
-            <a:avLst/>
-          </a:prstGeom>
-          <a:noFill/>
-        </p:spPr>
-        <p:txBody>
-          <a:bodyPr wrap="square" rtlCol="0">
-            <a:spAutoFit/>
-          </a:bodyPr>
-          <a:lstStyle/>
-          <a:p>
-            <a:r>
-              <a:rPr lang="en-US" sz="1400" dirty="0" smtClean="0"/>
-              <a:t>SM 6-7</a:t>
-            </a:r>
-            <a:endParaRPr lang="en-US" sz="1400" dirty="0"/>
-          </a:p>
-        </p:txBody>
-      </p:sp>
     </p:spTree>
     <p:extLst>
       <p:ext uri="{BB962C8B-B14F-4D97-AF65-F5344CB8AC3E}">
-        <p14:creationId xmlns:p14="http://schemas.microsoft.com/office/powerpoint/2010/main" val="695334964"/>
+        <p14:creationId xmlns:p14="http://schemas.microsoft.com/office/powerpoint/2010/main" val="1175673679"/>
       </p:ext>
     </p:extLst>
   </p:cSld>
@@ -6695,6 +6734,1666 @@
           <a:bodyPr/>
           <a:lstStyle/>
           <a:p>
+            <a:endParaRPr lang="en-US"/>
+          </a:p>
+        </p:txBody>
+      </p:sp>
+      <p:sp>
+        <p:nvSpPr>
+          <p:cNvPr id="4" name="Rectangle 3"/>
+          <p:cNvSpPr/>
+          <p:nvPr/>
+        </p:nvSpPr>
+        <p:spPr>
+          <a:xfrm>
+            <a:off x="1329266" y="1600200"/>
+            <a:ext cx="3251201" cy="2914022"/>
+          </a:xfrm>
+          <a:prstGeom prst="rect">
+            <a:avLst/>
+          </a:prstGeom>
+          <a:solidFill>
+            <a:schemeClr val="bg2"/>
+          </a:solidFill>
+          <a:ln w="19050">
+            <a:solidFill>
+              <a:schemeClr val="tx1"/>
+            </a:solidFill>
+          </a:ln>
+        </p:spPr>
+        <p:style>
+          <a:lnRef idx="1">
+            <a:schemeClr val="accent1"/>
+          </a:lnRef>
+          <a:fillRef idx="3">
+            <a:schemeClr val="accent1"/>
+          </a:fillRef>
+          <a:effectRef idx="2">
+            <a:schemeClr val="accent1"/>
+          </a:effectRef>
+          <a:fontRef idx="minor">
+            <a:schemeClr val="lt1"/>
+          </a:fontRef>
+        </p:style>
+        <p:txBody>
+          <a:bodyPr rtlCol="0" anchor="ctr"/>
+          <a:lstStyle/>
+          <a:p>
+            <a:pPr algn="ctr"/>
+            <a:endParaRPr lang="en-US"/>
+          </a:p>
+        </p:txBody>
+      </p:sp>
+      <p:sp>
+        <p:nvSpPr>
+          <p:cNvPr id="5" name="Rectangle 4"/>
+          <p:cNvSpPr/>
+          <p:nvPr/>
+        </p:nvSpPr>
+        <p:spPr>
+          <a:xfrm>
+            <a:off x="1456267" y="1684867"/>
+            <a:ext cx="660400" cy="558800"/>
+          </a:xfrm>
+          <a:prstGeom prst="rect">
+            <a:avLst/>
+          </a:prstGeom>
+          <a:solidFill>
+            <a:schemeClr val="accent3">
+              <a:lumMod val="75000"/>
+            </a:schemeClr>
+          </a:solidFill>
+          <a:ln>
+            <a:solidFill>
+              <a:schemeClr val="tx1"/>
+            </a:solidFill>
+          </a:ln>
+        </p:spPr>
+        <p:style>
+          <a:lnRef idx="1">
+            <a:schemeClr val="accent1"/>
+          </a:lnRef>
+          <a:fillRef idx="3">
+            <a:schemeClr val="accent1"/>
+          </a:fillRef>
+          <a:effectRef idx="2">
+            <a:schemeClr val="accent1"/>
+          </a:effectRef>
+          <a:fontRef idx="minor">
+            <a:schemeClr val="lt1"/>
+          </a:fontRef>
+        </p:style>
+        <p:txBody>
+          <a:bodyPr rtlCol="0" anchor="ctr"/>
+          <a:lstStyle/>
+          <a:p>
+            <a:pPr algn="ctr"/>
+            <a:r>
+              <a:rPr lang="en-US" dirty="0" smtClean="0"/>
+              <a:t>TB</a:t>
+            </a:r>
+            <a:endParaRPr lang="en-US" dirty="0"/>
+          </a:p>
+        </p:txBody>
+      </p:sp>
+      <p:sp>
+        <p:nvSpPr>
+          <p:cNvPr id="6" name="Rectangle 5"/>
+          <p:cNvSpPr/>
+          <p:nvPr/>
+        </p:nvSpPr>
+        <p:spPr>
+          <a:xfrm>
+            <a:off x="2243667" y="1684867"/>
+            <a:ext cx="660400" cy="558800"/>
+          </a:xfrm>
+          <a:prstGeom prst="rect">
+            <a:avLst/>
+          </a:prstGeom>
+          <a:solidFill>
+            <a:schemeClr val="tx1">
+              <a:lumMod val="50000"/>
+              <a:lumOff val="50000"/>
+            </a:schemeClr>
+          </a:solidFill>
+          <a:ln>
+            <a:solidFill>
+              <a:schemeClr val="tx1"/>
+            </a:solidFill>
+          </a:ln>
+        </p:spPr>
+        <p:style>
+          <a:lnRef idx="1">
+            <a:schemeClr val="accent1"/>
+          </a:lnRef>
+          <a:fillRef idx="3">
+            <a:schemeClr val="accent1"/>
+          </a:fillRef>
+          <a:effectRef idx="2">
+            <a:schemeClr val="accent1"/>
+          </a:effectRef>
+          <a:fontRef idx="minor">
+            <a:schemeClr val="lt1"/>
+          </a:fontRef>
+        </p:style>
+        <p:txBody>
+          <a:bodyPr rtlCol="0" anchor="ctr"/>
+          <a:lstStyle/>
+          <a:p>
+            <a:pPr algn="ctr"/>
+            <a:r>
+              <a:rPr lang="en-US" dirty="0" smtClean="0"/>
+              <a:t>TB</a:t>
+            </a:r>
+            <a:endParaRPr lang="en-US" dirty="0"/>
+          </a:p>
+        </p:txBody>
+      </p:sp>
+      <p:sp>
+        <p:nvSpPr>
+          <p:cNvPr id="7" name="Rectangle 6"/>
+          <p:cNvSpPr/>
+          <p:nvPr/>
+        </p:nvSpPr>
+        <p:spPr>
+          <a:xfrm>
+            <a:off x="3005666" y="1684867"/>
+            <a:ext cx="660400" cy="558800"/>
+          </a:xfrm>
+          <a:prstGeom prst="rect">
+            <a:avLst/>
+          </a:prstGeom>
+          <a:solidFill>
+            <a:schemeClr val="tx1">
+              <a:lumMod val="50000"/>
+              <a:lumOff val="50000"/>
+            </a:schemeClr>
+          </a:solidFill>
+          <a:ln>
+            <a:solidFill>
+              <a:schemeClr val="tx1"/>
+            </a:solidFill>
+          </a:ln>
+        </p:spPr>
+        <p:style>
+          <a:lnRef idx="1">
+            <a:schemeClr val="accent1"/>
+          </a:lnRef>
+          <a:fillRef idx="3">
+            <a:schemeClr val="accent1"/>
+          </a:fillRef>
+          <a:effectRef idx="2">
+            <a:schemeClr val="accent1"/>
+          </a:effectRef>
+          <a:fontRef idx="minor">
+            <a:schemeClr val="lt1"/>
+          </a:fontRef>
+        </p:style>
+        <p:txBody>
+          <a:bodyPr rtlCol="0" anchor="ctr"/>
+          <a:lstStyle/>
+          <a:p>
+            <a:pPr algn="ctr"/>
+            <a:r>
+              <a:rPr lang="en-US" dirty="0" smtClean="0"/>
+              <a:t>TB</a:t>
+            </a:r>
+            <a:endParaRPr lang="en-US" dirty="0"/>
+          </a:p>
+        </p:txBody>
+      </p:sp>
+      <p:sp>
+        <p:nvSpPr>
+          <p:cNvPr id="8" name="Rectangle 7"/>
+          <p:cNvSpPr/>
+          <p:nvPr/>
+        </p:nvSpPr>
+        <p:spPr>
+          <a:xfrm>
+            <a:off x="3793066" y="1684867"/>
+            <a:ext cx="660400" cy="558800"/>
+          </a:xfrm>
+          <a:prstGeom prst="rect">
+            <a:avLst/>
+          </a:prstGeom>
+          <a:solidFill>
+            <a:schemeClr val="tx1">
+              <a:lumMod val="50000"/>
+              <a:lumOff val="50000"/>
+            </a:schemeClr>
+          </a:solidFill>
+          <a:ln>
+            <a:solidFill>
+              <a:schemeClr val="tx1"/>
+            </a:solidFill>
+          </a:ln>
+        </p:spPr>
+        <p:style>
+          <a:lnRef idx="1">
+            <a:schemeClr val="accent1"/>
+          </a:lnRef>
+          <a:fillRef idx="3">
+            <a:schemeClr val="accent1"/>
+          </a:fillRef>
+          <a:effectRef idx="2">
+            <a:schemeClr val="accent1"/>
+          </a:effectRef>
+          <a:fontRef idx="minor">
+            <a:schemeClr val="lt1"/>
+          </a:fontRef>
+        </p:style>
+        <p:txBody>
+          <a:bodyPr rtlCol="0" anchor="ctr"/>
+          <a:lstStyle/>
+          <a:p>
+            <a:pPr algn="ctr"/>
+            <a:r>
+              <a:rPr lang="en-US" dirty="0" smtClean="0"/>
+              <a:t>TB</a:t>
+            </a:r>
+            <a:endParaRPr lang="en-US" dirty="0"/>
+          </a:p>
+        </p:txBody>
+      </p:sp>
+      <p:sp>
+        <p:nvSpPr>
+          <p:cNvPr id="9" name="Rectangle 8"/>
+          <p:cNvSpPr/>
+          <p:nvPr/>
+        </p:nvSpPr>
+        <p:spPr>
+          <a:xfrm>
+            <a:off x="1456267" y="2353734"/>
+            <a:ext cx="660400" cy="558800"/>
+          </a:xfrm>
+          <a:prstGeom prst="rect">
+            <a:avLst/>
+          </a:prstGeom>
+          <a:solidFill>
+            <a:schemeClr val="accent3">
+              <a:lumMod val="75000"/>
+            </a:schemeClr>
+          </a:solidFill>
+          <a:ln>
+            <a:solidFill>
+              <a:schemeClr val="tx1"/>
+            </a:solidFill>
+          </a:ln>
+        </p:spPr>
+        <p:style>
+          <a:lnRef idx="1">
+            <a:schemeClr val="accent1"/>
+          </a:lnRef>
+          <a:fillRef idx="3">
+            <a:schemeClr val="accent1"/>
+          </a:fillRef>
+          <a:effectRef idx="2">
+            <a:schemeClr val="accent1"/>
+          </a:effectRef>
+          <a:fontRef idx="minor">
+            <a:schemeClr val="lt1"/>
+          </a:fontRef>
+        </p:style>
+        <p:txBody>
+          <a:bodyPr rtlCol="0" anchor="ctr"/>
+          <a:lstStyle/>
+          <a:p>
+            <a:pPr algn="ctr"/>
+            <a:r>
+              <a:rPr lang="en-US" dirty="0" smtClean="0"/>
+              <a:t>TB</a:t>
+            </a:r>
+            <a:endParaRPr lang="en-US" dirty="0"/>
+          </a:p>
+        </p:txBody>
+      </p:sp>
+      <p:sp>
+        <p:nvSpPr>
+          <p:cNvPr id="10" name="Rectangle 9"/>
+          <p:cNvSpPr/>
+          <p:nvPr/>
+        </p:nvSpPr>
+        <p:spPr>
+          <a:xfrm>
+            <a:off x="2243667" y="2353734"/>
+            <a:ext cx="660400" cy="558800"/>
+          </a:xfrm>
+          <a:prstGeom prst="rect">
+            <a:avLst/>
+          </a:prstGeom>
+          <a:solidFill>
+            <a:schemeClr val="tx1">
+              <a:lumMod val="50000"/>
+              <a:lumOff val="50000"/>
+            </a:schemeClr>
+          </a:solidFill>
+          <a:ln>
+            <a:solidFill>
+              <a:schemeClr val="tx1"/>
+            </a:solidFill>
+          </a:ln>
+        </p:spPr>
+        <p:style>
+          <a:lnRef idx="1">
+            <a:schemeClr val="accent1"/>
+          </a:lnRef>
+          <a:fillRef idx="3">
+            <a:schemeClr val="accent1"/>
+          </a:fillRef>
+          <a:effectRef idx="2">
+            <a:schemeClr val="accent1"/>
+          </a:effectRef>
+          <a:fontRef idx="minor">
+            <a:schemeClr val="lt1"/>
+          </a:fontRef>
+        </p:style>
+        <p:txBody>
+          <a:bodyPr rtlCol="0" anchor="ctr"/>
+          <a:lstStyle/>
+          <a:p>
+            <a:pPr algn="ctr"/>
+            <a:r>
+              <a:rPr lang="en-US" dirty="0" smtClean="0"/>
+              <a:t>TB</a:t>
+            </a:r>
+            <a:endParaRPr lang="en-US" dirty="0"/>
+          </a:p>
+        </p:txBody>
+      </p:sp>
+      <p:sp>
+        <p:nvSpPr>
+          <p:cNvPr id="11" name="Rectangle 10"/>
+          <p:cNvSpPr/>
+          <p:nvPr/>
+        </p:nvSpPr>
+        <p:spPr>
+          <a:xfrm>
+            <a:off x="3005666" y="2353734"/>
+            <a:ext cx="660400" cy="558800"/>
+          </a:xfrm>
+          <a:prstGeom prst="rect">
+            <a:avLst/>
+          </a:prstGeom>
+          <a:solidFill>
+            <a:schemeClr val="tx1">
+              <a:lumMod val="50000"/>
+              <a:lumOff val="50000"/>
+            </a:schemeClr>
+          </a:solidFill>
+          <a:ln>
+            <a:solidFill>
+              <a:schemeClr val="tx1"/>
+            </a:solidFill>
+          </a:ln>
+        </p:spPr>
+        <p:style>
+          <a:lnRef idx="1">
+            <a:schemeClr val="accent1"/>
+          </a:lnRef>
+          <a:fillRef idx="3">
+            <a:schemeClr val="accent1"/>
+          </a:fillRef>
+          <a:effectRef idx="2">
+            <a:schemeClr val="accent1"/>
+          </a:effectRef>
+          <a:fontRef idx="minor">
+            <a:schemeClr val="lt1"/>
+          </a:fontRef>
+        </p:style>
+        <p:txBody>
+          <a:bodyPr rtlCol="0" anchor="ctr"/>
+          <a:lstStyle/>
+          <a:p>
+            <a:pPr algn="ctr"/>
+            <a:r>
+              <a:rPr lang="en-US" dirty="0" smtClean="0"/>
+              <a:t>TB</a:t>
+            </a:r>
+            <a:endParaRPr lang="en-US" dirty="0"/>
+          </a:p>
+        </p:txBody>
+      </p:sp>
+      <p:sp>
+        <p:nvSpPr>
+          <p:cNvPr id="12" name="Rectangle 11"/>
+          <p:cNvSpPr/>
+          <p:nvPr/>
+        </p:nvSpPr>
+        <p:spPr>
+          <a:xfrm>
+            <a:off x="3793066" y="2353734"/>
+            <a:ext cx="660400" cy="558800"/>
+          </a:xfrm>
+          <a:prstGeom prst="rect">
+            <a:avLst/>
+          </a:prstGeom>
+          <a:solidFill>
+            <a:schemeClr val="accent3">
+              <a:lumMod val="75000"/>
+            </a:schemeClr>
+          </a:solidFill>
+          <a:ln>
+            <a:solidFill>
+              <a:schemeClr val="tx1"/>
+            </a:solidFill>
+          </a:ln>
+        </p:spPr>
+        <p:style>
+          <a:lnRef idx="1">
+            <a:schemeClr val="accent1"/>
+          </a:lnRef>
+          <a:fillRef idx="3">
+            <a:schemeClr val="accent1"/>
+          </a:fillRef>
+          <a:effectRef idx="2">
+            <a:schemeClr val="accent1"/>
+          </a:effectRef>
+          <a:fontRef idx="minor">
+            <a:schemeClr val="lt1"/>
+          </a:fontRef>
+        </p:style>
+        <p:txBody>
+          <a:bodyPr rtlCol="0" anchor="ctr"/>
+          <a:lstStyle/>
+          <a:p>
+            <a:pPr algn="ctr"/>
+            <a:r>
+              <a:rPr lang="en-US" dirty="0" smtClean="0"/>
+              <a:t>TB</a:t>
+            </a:r>
+            <a:endParaRPr lang="en-US" dirty="0"/>
+          </a:p>
+        </p:txBody>
+      </p:sp>
+      <p:sp>
+        <p:nvSpPr>
+          <p:cNvPr id="13" name="Rectangle 12"/>
+          <p:cNvSpPr/>
+          <p:nvPr/>
+        </p:nvSpPr>
+        <p:spPr>
+          <a:xfrm>
+            <a:off x="1456267" y="3022600"/>
+            <a:ext cx="660400" cy="558800"/>
+          </a:xfrm>
+          <a:prstGeom prst="rect">
+            <a:avLst/>
+          </a:prstGeom>
+          <a:solidFill>
+            <a:schemeClr val="accent3">
+              <a:lumMod val="75000"/>
+            </a:schemeClr>
+          </a:solidFill>
+          <a:ln>
+            <a:solidFill>
+              <a:schemeClr val="tx1"/>
+            </a:solidFill>
+          </a:ln>
+        </p:spPr>
+        <p:style>
+          <a:lnRef idx="1">
+            <a:schemeClr val="accent1"/>
+          </a:lnRef>
+          <a:fillRef idx="3">
+            <a:schemeClr val="accent1"/>
+          </a:fillRef>
+          <a:effectRef idx="2">
+            <a:schemeClr val="accent1"/>
+          </a:effectRef>
+          <a:fontRef idx="minor">
+            <a:schemeClr val="lt1"/>
+          </a:fontRef>
+        </p:style>
+        <p:txBody>
+          <a:bodyPr rtlCol="0" anchor="ctr"/>
+          <a:lstStyle/>
+          <a:p>
+            <a:pPr algn="ctr"/>
+            <a:r>
+              <a:rPr lang="en-US" dirty="0" smtClean="0"/>
+              <a:t>TB</a:t>
+            </a:r>
+            <a:endParaRPr lang="en-US" dirty="0"/>
+          </a:p>
+        </p:txBody>
+      </p:sp>
+      <p:sp>
+        <p:nvSpPr>
+          <p:cNvPr id="14" name="Rectangle 13"/>
+          <p:cNvSpPr/>
+          <p:nvPr/>
+        </p:nvSpPr>
+        <p:spPr>
+          <a:xfrm>
+            <a:off x="2243667" y="3022600"/>
+            <a:ext cx="660400" cy="558800"/>
+          </a:xfrm>
+          <a:prstGeom prst="rect">
+            <a:avLst/>
+          </a:prstGeom>
+          <a:solidFill>
+            <a:schemeClr val="tx1">
+              <a:lumMod val="50000"/>
+              <a:lumOff val="50000"/>
+            </a:schemeClr>
+          </a:solidFill>
+          <a:ln>
+            <a:solidFill>
+              <a:schemeClr val="tx1"/>
+            </a:solidFill>
+          </a:ln>
+        </p:spPr>
+        <p:style>
+          <a:lnRef idx="1">
+            <a:schemeClr val="accent1"/>
+          </a:lnRef>
+          <a:fillRef idx="3">
+            <a:schemeClr val="accent1"/>
+          </a:fillRef>
+          <a:effectRef idx="2">
+            <a:schemeClr val="accent1"/>
+          </a:effectRef>
+          <a:fontRef idx="minor">
+            <a:schemeClr val="lt1"/>
+          </a:fontRef>
+        </p:style>
+        <p:txBody>
+          <a:bodyPr rtlCol="0" anchor="ctr"/>
+          <a:lstStyle/>
+          <a:p>
+            <a:pPr algn="ctr"/>
+            <a:r>
+              <a:rPr lang="en-US" dirty="0" smtClean="0"/>
+              <a:t>TB</a:t>
+            </a:r>
+            <a:endParaRPr lang="en-US" dirty="0"/>
+          </a:p>
+        </p:txBody>
+      </p:sp>
+      <p:sp>
+        <p:nvSpPr>
+          <p:cNvPr id="15" name="Rectangle 14"/>
+          <p:cNvSpPr/>
+          <p:nvPr/>
+        </p:nvSpPr>
+        <p:spPr>
+          <a:xfrm>
+            <a:off x="3005666" y="3022600"/>
+            <a:ext cx="660400" cy="558800"/>
+          </a:xfrm>
+          <a:prstGeom prst="rect">
+            <a:avLst/>
+          </a:prstGeom>
+          <a:solidFill>
+            <a:schemeClr val="accent3">
+              <a:lumMod val="75000"/>
+            </a:schemeClr>
+          </a:solidFill>
+          <a:ln>
+            <a:solidFill>
+              <a:schemeClr val="tx1"/>
+            </a:solidFill>
+          </a:ln>
+        </p:spPr>
+        <p:style>
+          <a:lnRef idx="1">
+            <a:schemeClr val="accent1"/>
+          </a:lnRef>
+          <a:fillRef idx="3">
+            <a:schemeClr val="accent1"/>
+          </a:fillRef>
+          <a:effectRef idx="2">
+            <a:schemeClr val="accent1"/>
+          </a:effectRef>
+          <a:fontRef idx="minor">
+            <a:schemeClr val="lt1"/>
+          </a:fontRef>
+        </p:style>
+        <p:txBody>
+          <a:bodyPr rtlCol="0" anchor="ctr"/>
+          <a:lstStyle/>
+          <a:p>
+            <a:pPr algn="ctr"/>
+            <a:r>
+              <a:rPr lang="en-US" dirty="0" smtClean="0"/>
+              <a:t>TB</a:t>
+            </a:r>
+            <a:endParaRPr lang="en-US" dirty="0"/>
+          </a:p>
+        </p:txBody>
+      </p:sp>
+      <p:sp>
+        <p:nvSpPr>
+          <p:cNvPr id="16" name="Rectangle 15"/>
+          <p:cNvSpPr/>
+          <p:nvPr/>
+        </p:nvSpPr>
+        <p:spPr>
+          <a:xfrm>
+            <a:off x="3793066" y="3022600"/>
+            <a:ext cx="660400" cy="558800"/>
+          </a:xfrm>
+          <a:prstGeom prst="rect">
+            <a:avLst/>
+          </a:prstGeom>
+          <a:solidFill>
+            <a:schemeClr val="accent3">
+              <a:lumMod val="75000"/>
+            </a:schemeClr>
+          </a:solidFill>
+          <a:ln>
+            <a:solidFill>
+              <a:schemeClr val="tx1"/>
+            </a:solidFill>
+          </a:ln>
+        </p:spPr>
+        <p:style>
+          <a:lnRef idx="1">
+            <a:schemeClr val="accent1"/>
+          </a:lnRef>
+          <a:fillRef idx="3">
+            <a:schemeClr val="accent1"/>
+          </a:fillRef>
+          <a:effectRef idx="2">
+            <a:schemeClr val="accent1"/>
+          </a:effectRef>
+          <a:fontRef idx="minor">
+            <a:schemeClr val="lt1"/>
+          </a:fontRef>
+        </p:style>
+        <p:txBody>
+          <a:bodyPr rtlCol="0" anchor="ctr"/>
+          <a:lstStyle/>
+          <a:p>
+            <a:pPr algn="ctr"/>
+            <a:r>
+              <a:rPr lang="en-US" dirty="0" smtClean="0"/>
+              <a:t>TB</a:t>
+            </a:r>
+            <a:endParaRPr lang="en-US" dirty="0"/>
+          </a:p>
+        </p:txBody>
+      </p:sp>
+      <p:sp>
+        <p:nvSpPr>
+          <p:cNvPr id="17" name="Rectangle 16"/>
+          <p:cNvSpPr/>
+          <p:nvPr/>
+        </p:nvSpPr>
+        <p:spPr>
+          <a:xfrm>
+            <a:off x="1456267" y="3691467"/>
+            <a:ext cx="660400" cy="558800"/>
+          </a:xfrm>
+          <a:prstGeom prst="rect">
+            <a:avLst/>
+          </a:prstGeom>
+          <a:solidFill>
+            <a:schemeClr val="tx1">
+              <a:lumMod val="50000"/>
+              <a:lumOff val="50000"/>
+            </a:schemeClr>
+          </a:solidFill>
+          <a:ln>
+            <a:solidFill>
+              <a:schemeClr val="tx1"/>
+            </a:solidFill>
+          </a:ln>
+        </p:spPr>
+        <p:style>
+          <a:lnRef idx="1">
+            <a:schemeClr val="accent1"/>
+          </a:lnRef>
+          <a:fillRef idx="3">
+            <a:schemeClr val="accent1"/>
+          </a:fillRef>
+          <a:effectRef idx="2">
+            <a:schemeClr val="accent1"/>
+          </a:effectRef>
+          <a:fontRef idx="minor">
+            <a:schemeClr val="lt1"/>
+          </a:fontRef>
+        </p:style>
+        <p:txBody>
+          <a:bodyPr rtlCol="0" anchor="ctr"/>
+          <a:lstStyle/>
+          <a:p>
+            <a:pPr algn="ctr"/>
+            <a:r>
+              <a:rPr lang="en-US" dirty="0" smtClean="0"/>
+              <a:t>TB</a:t>
+            </a:r>
+            <a:endParaRPr lang="en-US" dirty="0"/>
+          </a:p>
+        </p:txBody>
+      </p:sp>
+      <p:sp>
+        <p:nvSpPr>
+          <p:cNvPr id="18" name="Rectangle 17"/>
+          <p:cNvSpPr/>
+          <p:nvPr/>
+        </p:nvSpPr>
+        <p:spPr>
+          <a:xfrm>
+            <a:off x="2243667" y="3691467"/>
+            <a:ext cx="660400" cy="558800"/>
+          </a:xfrm>
+          <a:prstGeom prst="rect">
+            <a:avLst/>
+          </a:prstGeom>
+          <a:solidFill>
+            <a:schemeClr val="accent3">
+              <a:lumMod val="75000"/>
+            </a:schemeClr>
+          </a:solidFill>
+          <a:ln>
+            <a:solidFill>
+              <a:schemeClr val="tx1"/>
+            </a:solidFill>
+          </a:ln>
+        </p:spPr>
+        <p:style>
+          <a:lnRef idx="1">
+            <a:schemeClr val="accent1"/>
+          </a:lnRef>
+          <a:fillRef idx="3">
+            <a:schemeClr val="accent1"/>
+          </a:fillRef>
+          <a:effectRef idx="2">
+            <a:schemeClr val="accent1"/>
+          </a:effectRef>
+          <a:fontRef idx="minor">
+            <a:schemeClr val="lt1"/>
+          </a:fontRef>
+        </p:style>
+        <p:txBody>
+          <a:bodyPr rtlCol="0" anchor="ctr"/>
+          <a:lstStyle/>
+          <a:p>
+            <a:pPr algn="ctr"/>
+            <a:r>
+              <a:rPr lang="en-US" dirty="0" smtClean="0"/>
+              <a:t>TB</a:t>
+            </a:r>
+            <a:endParaRPr lang="en-US" dirty="0"/>
+          </a:p>
+        </p:txBody>
+      </p:sp>
+      <p:sp>
+        <p:nvSpPr>
+          <p:cNvPr id="19" name="Rectangle 18"/>
+          <p:cNvSpPr/>
+          <p:nvPr/>
+        </p:nvSpPr>
+        <p:spPr>
+          <a:xfrm>
+            <a:off x="3005666" y="3691467"/>
+            <a:ext cx="660400" cy="558800"/>
+          </a:xfrm>
+          <a:prstGeom prst="rect">
+            <a:avLst/>
+          </a:prstGeom>
+          <a:solidFill>
+            <a:schemeClr val="tx1">
+              <a:lumMod val="50000"/>
+              <a:lumOff val="50000"/>
+            </a:schemeClr>
+          </a:solidFill>
+          <a:ln>
+            <a:solidFill>
+              <a:schemeClr val="tx1"/>
+            </a:solidFill>
+          </a:ln>
+        </p:spPr>
+        <p:style>
+          <a:lnRef idx="1">
+            <a:schemeClr val="accent1"/>
+          </a:lnRef>
+          <a:fillRef idx="3">
+            <a:schemeClr val="accent1"/>
+          </a:fillRef>
+          <a:effectRef idx="2">
+            <a:schemeClr val="accent1"/>
+          </a:effectRef>
+          <a:fontRef idx="minor">
+            <a:schemeClr val="lt1"/>
+          </a:fontRef>
+        </p:style>
+        <p:txBody>
+          <a:bodyPr rtlCol="0" anchor="ctr"/>
+          <a:lstStyle/>
+          <a:p>
+            <a:pPr algn="ctr"/>
+            <a:r>
+              <a:rPr lang="en-US" dirty="0" smtClean="0"/>
+              <a:t>TB</a:t>
+            </a:r>
+            <a:endParaRPr lang="en-US" dirty="0"/>
+          </a:p>
+        </p:txBody>
+      </p:sp>
+      <p:sp>
+        <p:nvSpPr>
+          <p:cNvPr id="20" name="Rectangle 19"/>
+          <p:cNvSpPr/>
+          <p:nvPr/>
+        </p:nvSpPr>
+        <p:spPr>
+          <a:xfrm>
+            <a:off x="3793066" y="3691467"/>
+            <a:ext cx="660400" cy="558800"/>
+          </a:xfrm>
+          <a:prstGeom prst="rect">
+            <a:avLst/>
+          </a:prstGeom>
+          <a:solidFill>
+            <a:schemeClr val="accent3">
+              <a:lumMod val="75000"/>
+            </a:schemeClr>
+          </a:solidFill>
+          <a:ln>
+            <a:solidFill>
+              <a:schemeClr val="tx1"/>
+            </a:solidFill>
+          </a:ln>
+        </p:spPr>
+        <p:style>
+          <a:lnRef idx="1">
+            <a:schemeClr val="accent1"/>
+          </a:lnRef>
+          <a:fillRef idx="3">
+            <a:schemeClr val="accent1"/>
+          </a:fillRef>
+          <a:effectRef idx="2">
+            <a:schemeClr val="accent1"/>
+          </a:effectRef>
+          <a:fontRef idx="minor">
+            <a:schemeClr val="lt1"/>
+          </a:fontRef>
+        </p:style>
+        <p:txBody>
+          <a:bodyPr rtlCol="0" anchor="ctr"/>
+          <a:lstStyle/>
+          <a:p>
+            <a:pPr algn="ctr"/>
+            <a:r>
+              <a:rPr lang="en-US" dirty="0" smtClean="0"/>
+              <a:t>TB</a:t>
+            </a:r>
+            <a:endParaRPr lang="en-US" dirty="0"/>
+          </a:p>
+        </p:txBody>
+      </p:sp>
+      <p:sp>
+        <p:nvSpPr>
+          <p:cNvPr id="21" name="Rectangle 20"/>
+          <p:cNvSpPr/>
+          <p:nvPr/>
+        </p:nvSpPr>
+        <p:spPr>
+          <a:xfrm>
+            <a:off x="1329266" y="4800600"/>
+            <a:ext cx="3251201" cy="228600"/>
+          </a:xfrm>
+          <a:prstGeom prst="rect">
+            <a:avLst/>
+          </a:prstGeom>
+          <a:solidFill>
+            <a:schemeClr val="bg1"/>
+          </a:solidFill>
+          <a:ln w="28575">
+            <a:solidFill>
+              <a:schemeClr val="tx1"/>
+            </a:solidFill>
+          </a:ln>
+        </p:spPr>
+        <p:style>
+          <a:lnRef idx="1">
+            <a:schemeClr val="accent1"/>
+          </a:lnRef>
+          <a:fillRef idx="3">
+            <a:schemeClr val="accent1"/>
+          </a:fillRef>
+          <a:effectRef idx="2">
+            <a:schemeClr val="accent1"/>
+          </a:effectRef>
+          <a:fontRef idx="minor">
+            <a:schemeClr val="lt1"/>
+          </a:fontRef>
+        </p:style>
+        <p:txBody>
+          <a:bodyPr rtlCol="0" anchor="ctr"/>
+          <a:lstStyle/>
+          <a:p>
+            <a:pPr algn="ctr"/>
+            <a:endParaRPr lang="en-US"/>
+          </a:p>
+        </p:txBody>
+      </p:sp>
+      <p:sp>
+        <p:nvSpPr>
+          <p:cNvPr id="22" name="TextBox 21"/>
+          <p:cNvSpPr txBox="1"/>
+          <p:nvPr/>
+        </p:nvSpPr>
+        <p:spPr>
+          <a:xfrm>
+            <a:off x="1358900" y="4206445"/>
+            <a:ext cx="2396067" cy="307777"/>
+          </a:xfrm>
+          <a:prstGeom prst="rect">
+            <a:avLst/>
+          </a:prstGeom>
+          <a:noFill/>
+        </p:spPr>
+        <p:txBody>
+          <a:bodyPr wrap="square" rtlCol="0">
+            <a:spAutoFit/>
+          </a:bodyPr>
+          <a:lstStyle/>
+          <a:p>
+            <a:r>
+              <a:rPr lang="en-US" sz="1400" dirty="0" smtClean="0"/>
+              <a:t>CUDA Thread Grid</a:t>
+            </a:r>
+            <a:endParaRPr lang="en-US" sz="1400" dirty="0"/>
+          </a:p>
+        </p:txBody>
+      </p:sp>
+      <p:cxnSp>
+        <p:nvCxnSpPr>
+          <p:cNvPr id="25" name="Straight Connector 24"/>
+          <p:cNvCxnSpPr>
+            <a:stCxn id="21" idx="0"/>
+            <a:endCxn id="21" idx="2"/>
+          </p:cNvCxnSpPr>
+          <p:nvPr/>
+        </p:nvCxnSpPr>
+        <p:spPr>
+          <a:xfrm>
+            <a:off x="2954867" y="4800600"/>
+            <a:ext cx="0" cy="228600"/>
+          </a:xfrm>
+          <a:prstGeom prst="line">
+            <a:avLst/>
+          </a:prstGeom>
+          <a:ln>
+            <a:solidFill>
+              <a:schemeClr val="tx1"/>
+            </a:solidFill>
+          </a:ln>
+        </p:spPr>
+        <p:style>
+          <a:lnRef idx="2">
+            <a:schemeClr val="accent1"/>
+          </a:lnRef>
+          <a:fillRef idx="0">
+            <a:schemeClr val="accent1"/>
+          </a:fillRef>
+          <a:effectRef idx="1">
+            <a:schemeClr val="accent1"/>
+          </a:effectRef>
+          <a:fontRef idx="minor">
+            <a:schemeClr val="tx1"/>
+          </a:fontRef>
+        </p:style>
+      </p:cxnSp>
+      <p:cxnSp>
+        <p:nvCxnSpPr>
+          <p:cNvPr id="26" name="Straight Connector 25"/>
+          <p:cNvCxnSpPr/>
+          <p:nvPr/>
+        </p:nvCxnSpPr>
+        <p:spPr>
+          <a:xfrm>
+            <a:off x="2167467" y="4800600"/>
+            <a:ext cx="0" cy="228600"/>
+          </a:xfrm>
+          <a:prstGeom prst="line">
+            <a:avLst/>
+          </a:prstGeom>
+          <a:ln>
+            <a:solidFill>
+              <a:schemeClr val="tx1"/>
+            </a:solidFill>
+          </a:ln>
+        </p:spPr>
+        <p:style>
+          <a:lnRef idx="2">
+            <a:schemeClr val="accent1"/>
+          </a:lnRef>
+          <a:fillRef idx="0">
+            <a:schemeClr val="accent1"/>
+          </a:fillRef>
+          <a:effectRef idx="1">
+            <a:schemeClr val="accent1"/>
+          </a:effectRef>
+          <a:fontRef idx="minor">
+            <a:schemeClr val="tx1"/>
+          </a:fontRef>
+        </p:style>
+      </p:cxnSp>
+      <p:cxnSp>
+        <p:nvCxnSpPr>
+          <p:cNvPr id="27" name="Straight Connector 26"/>
+          <p:cNvCxnSpPr/>
+          <p:nvPr/>
+        </p:nvCxnSpPr>
+        <p:spPr>
+          <a:xfrm>
+            <a:off x="3754967" y="4800600"/>
+            <a:ext cx="0" cy="228600"/>
+          </a:xfrm>
+          <a:prstGeom prst="line">
+            <a:avLst/>
+          </a:prstGeom>
+          <a:ln>
+            <a:solidFill>
+              <a:schemeClr val="tx1"/>
+            </a:solidFill>
+          </a:ln>
+        </p:spPr>
+        <p:style>
+          <a:lnRef idx="2">
+            <a:schemeClr val="accent1"/>
+          </a:lnRef>
+          <a:fillRef idx="0">
+            <a:schemeClr val="accent1"/>
+          </a:fillRef>
+          <a:effectRef idx="1">
+            <a:schemeClr val="accent1"/>
+          </a:effectRef>
+          <a:fontRef idx="minor">
+            <a:schemeClr val="tx1"/>
+          </a:fontRef>
+        </p:style>
+      </p:cxnSp>
+      <p:cxnSp>
+        <p:nvCxnSpPr>
+          <p:cNvPr id="35" name="Elbow Connector 34"/>
+          <p:cNvCxnSpPr>
+            <a:stCxn id="5" idx="1"/>
+            <a:endCxn id="21" idx="1"/>
+          </p:cNvCxnSpPr>
+          <p:nvPr/>
+        </p:nvCxnSpPr>
+        <p:spPr>
+          <a:xfrm rot="10800000" flipV="1">
+            <a:off x="1329267" y="1964266"/>
+            <a:ext cx="127001" cy="2950633"/>
+          </a:xfrm>
+          <a:prstGeom prst="bentConnector3">
+            <a:avLst>
+              <a:gd name="adj1" fmla="val 279999"/>
+            </a:avLst>
+          </a:prstGeom>
+          <a:ln w="19050">
+            <a:solidFill>
+              <a:schemeClr val="tx1"/>
+            </a:solidFill>
+            <a:tailEnd type="triangle"/>
+          </a:ln>
+        </p:spPr>
+        <p:style>
+          <a:lnRef idx="2">
+            <a:schemeClr val="accent1"/>
+          </a:lnRef>
+          <a:fillRef idx="0">
+            <a:schemeClr val="accent1"/>
+          </a:fillRef>
+          <a:effectRef idx="1">
+            <a:schemeClr val="accent1"/>
+          </a:effectRef>
+          <a:fontRef idx="minor">
+            <a:schemeClr val="tx1"/>
+          </a:fontRef>
+        </p:style>
+      </p:cxnSp>
+      <p:cxnSp>
+        <p:nvCxnSpPr>
+          <p:cNvPr id="39" name="Straight Connector 38"/>
+          <p:cNvCxnSpPr>
+            <a:stCxn id="9" idx="1"/>
+          </p:cNvCxnSpPr>
+          <p:nvPr/>
+        </p:nvCxnSpPr>
+        <p:spPr>
+          <a:xfrm flipH="1" flipV="1">
+            <a:off x="1109133" y="2633133"/>
+            <a:ext cx="347134" cy="1"/>
+          </a:xfrm>
+          <a:prstGeom prst="line">
+            <a:avLst/>
+          </a:prstGeom>
+        </p:spPr>
+        <p:style>
+          <a:lnRef idx="2">
+            <a:schemeClr val="accent1"/>
+          </a:lnRef>
+          <a:fillRef idx="0">
+            <a:schemeClr val="accent1"/>
+          </a:fillRef>
+          <a:effectRef idx="1">
+            <a:schemeClr val="accent1"/>
+          </a:effectRef>
+          <a:fontRef idx="minor">
+            <a:schemeClr val="tx1"/>
+          </a:fontRef>
+        </p:style>
+      </p:cxnSp>
+      <p:cxnSp>
+        <p:nvCxnSpPr>
+          <p:cNvPr id="41" name="Elbow Connector 40"/>
+          <p:cNvCxnSpPr>
+            <a:stCxn id="13" idx="1"/>
+          </p:cNvCxnSpPr>
+          <p:nvPr/>
+        </p:nvCxnSpPr>
+        <p:spPr>
+          <a:xfrm rot="10800000" flipH="1" flipV="1">
+            <a:off x="1456266" y="3302000"/>
+            <a:ext cx="1100667" cy="1498600"/>
+          </a:xfrm>
+          <a:prstGeom prst="bentConnector4">
+            <a:avLst>
+              <a:gd name="adj1" fmla="val -20769"/>
+              <a:gd name="adj2" fmla="val 85311"/>
+            </a:avLst>
+          </a:prstGeom>
+          <a:ln w="19050">
+            <a:solidFill>
+              <a:schemeClr val="tx1"/>
+            </a:solidFill>
+            <a:tailEnd type="triangle"/>
+          </a:ln>
+        </p:spPr>
+        <p:style>
+          <a:lnRef idx="2">
+            <a:schemeClr val="accent1"/>
+          </a:lnRef>
+          <a:fillRef idx="0">
+            <a:schemeClr val="accent1"/>
+          </a:fillRef>
+          <a:effectRef idx="1">
+            <a:schemeClr val="accent1"/>
+          </a:effectRef>
+          <a:fontRef idx="minor">
+            <a:schemeClr val="tx1"/>
+          </a:fontRef>
+        </p:style>
+      </p:cxnSp>
+      <p:cxnSp>
+        <p:nvCxnSpPr>
+          <p:cNvPr id="45" name="Straight Arrow Connector 44"/>
+          <p:cNvCxnSpPr/>
+          <p:nvPr/>
+        </p:nvCxnSpPr>
+        <p:spPr>
+          <a:xfrm>
+            <a:off x="2819400" y="4250267"/>
+            <a:ext cx="0" cy="550333"/>
+          </a:xfrm>
+          <a:prstGeom prst="straightConnector1">
+            <a:avLst/>
+          </a:prstGeom>
+          <a:ln w="19050">
+            <a:solidFill>
+              <a:schemeClr val="tx1"/>
+            </a:solidFill>
+            <a:tailEnd type="triangle"/>
+          </a:ln>
+        </p:spPr>
+        <p:style>
+          <a:lnRef idx="2">
+            <a:schemeClr val="accent1"/>
+          </a:lnRef>
+          <a:fillRef idx="0">
+            <a:schemeClr val="accent1"/>
+          </a:fillRef>
+          <a:effectRef idx="1">
+            <a:schemeClr val="accent1"/>
+          </a:effectRef>
+          <a:fontRef idx="minor">
+            <a:schemeClr val="tx1"/>
+          </a:fontRef>
+        </p:style>
+      </p:cxnSp>
+      <p:cxnSp>
+        <p:nvCxnSpPr>
+          <p:cNvPr id="47" name="Straight Arrow Connector 46"/>
+          <p:cNvCxnSpPr/>
+          <p:nvPr/>
+        </p:nvCxnSpPr>
+        <p:spPr>
+          <a:xfrm>
+            <a:off x="3158066" y="3590149"/>
+            <a:ext cx="8467" cy="1219200"/>
+          </a:xfrm>
+          <a:prstGeom prst="straightConnector1">
+            <a:avLst/>
+          </a:prstGeom>
+          <a:ln w="19050">
+            <a:solidFill>
+              <a:schemeClr val="tx1"/>
+            </a:solidFill>
+            <a:tailEnd type="triangle"/>
+          </a:ln>
+        </p:spPr>
+        <p:style>
+          <a:lnRef idx="2">
+            <a:schemeClr val="accent1"/>
+          </a:lnRef>
+          <a:fillRef idx="0">
+            <a:schemeClr val="accent1"/>
+          </a:fillRef>
+          <a:effectRef idx="1">
+            <a:schemeClr val="accent1"/>
+          </a:effectRef>
+          <a:fontRef idx="minor">
+            <a:schemeClr val="tx1"/>
+          </a:fontRef>
+        </p:style>
+      </p:cxnSp>
+      <p:cxnSp>
+        <p:nvCxnSpPr>
+          <p:cNvPr id="49" name="Elbow Connector 48"/>
+          <p:cNvCxnSpPr>
+            <a:stCxn id="16" idx="1"/>
+          </p:cNvCxnSpPr>
+          <p:nvPr/>
+        </p:nvCxnSpPr>
+        <p:spPr>
+          <a:xfrm rot="10800000" flipV="1">
+            <a:off x="3513668" y="3302000"/>
+            <a:ext cx="279399" cy="1498600"/>
+          </a:xfrm>
+          <a:prstGeom prst="bentConnector2">
+            <a:avLst/>
+          </a:prstGeom>
+          <a:ln w="19050">
+            <a:solidFill>
+              <a:schemeClr val="tx1"/>
+            </a:solidFill>
+            <a:tailEnd type="triangle"/>
+          </a:ln>
+        </p:spPr>
+        <p:style>
+          <a:lnRef idx="2">
+            <a:schemeClr val="accent1"/>
+          </a:lnRef>
+          <a:fillRef idx="0">
+            <a:schemeClr val="accent1"/>
+          </a:fillRef>
+          <a:effectRef idx="1">
+            <a:schemeClr val="accent1"/>
+          </a:effectRef>
+          <a:fontRef idx="minor">
+            <a:schemeClr val="tx1"/>
+          </a:fontRef>
+        </p:style>
+      </p:cxnSp>
+      <p:cxnSp>
+        <p:nvCxnSpPr>
+          <p:cNvPr id="51" name="Elbow Connector 50"/>
+          <p:cNvCxnSpPr>
+            <a:stCxn id="12" idx="3"/>
+          </p:cNvCxnSpPr>
+          <p:nvPr/>
+        </p:nvCxnSpPr>
+        <p:spPr>
+          <a:xfrm flipH="1">
+            <a:off x="4157133" y="2633134"/>
+            <a:ext cx="296333" cy="2167466"/>
+          </a:xfrm>
+          <a:prstGeom prst="bentConnector4">
+            <a:avLst>
+              <a:gd name="adj1" fmla="val -77143"/>
+              <a:gd name="adj2" fmla="val 90429"/>
+            </a:avLst>
+          </a:prstGeom>
+          <a:ln w="19050">
+            <a:solidFill>
+              <a:schemeClr val="tx1"/>
+            </a:solidFill>
+            <a:tailEnd type="triangle"/>
+          </a:ln>
+        </p:spPr>
+        <p:style>
+          <a:lnRef idx="2">
+            <a:schemeClr val="accent1"/>
+          </a:lnRef>
+          <a:fillRef idx="0">
+            <a:schemeClr val="accent1"/>
+          </a:fillRef>
+          <a:effectRef idx="1">
+            <a:schemeClr val="accent1"/>
+          </a:effectRef>
+          <a:fontRef idx="minor">
+            <a:schemeClr val="tx1"/>
+          </a:fontRef>
+        </p:style>
+      </p:cxnSp>
+      <p:cxnSp>
+        <p:nvCxnSpPr>
+          <p:cNvPr id="54" name="Straight Arrow Connector 53"/>
+          <p:cNvCxnSpPr/>
+          <p:nvPr/>
+        </p:nvCxnSpPr>
+        <p:spPr>
+          <a:xfrm>
+            <a:off x="3937000" y="4250267"/>
+            <a:ext cx="0" cy="550333"/>
+          </a:xfrm>
+          <a:prstGeom prst="straightConnector1">
+            <a:avLst/>
+          </a:prstGeom>
+          <a:ln w="19050">
+            <a:solidFill>
+              <a:schemeClr val="tx1"/>
+            </a:solidFill>
+            <a:tailEnd type="triangle"/>
+          </a:ln>
+        </p:spPr>
+        <p:style>
+          <a:lnRef idx="2">
+            <a:schemeClr val="accent1"/>
+          </a:lnRef>
+          <a:fillRef idx="0">
+            <a:schemeClr val="accent1"/>
+          </a:fillRef>
+          <a:effectRef idx="1">
+            <a:schemeClr val="accent1"/>
+          </a:effectRef>
+          <a:fontRef idx="minor">
+            <a:schemeClr val="tx1"/>
+          </a:fontRef>
+        </p:style>
+      </p:cxnSp>
+      <p:sp>
+        <p:nvSpPr>
+          <p:cNvPr id="55" name="TextBox 54"/>
+          <p:cNvSpPr txBox="1"/>
+          <p:nvPr/>
+        </p:nvSpPr>
+        <p:spPr>
+          <a:xfrm>
+            <a:off x="1320800" y="4769990"/>
+            <a:ext cx="846668" cy="307777"/>
+          </a:xfrm>
+          <a:prstGeom prst="rect">
+            <a:avLst/>
+          </a:prstGeom>
+          <a:noFill/>
+        </p:spPr>
+        <p:txBody>
+          <a:bodyPr wrap="square" rtlCol="0">
+            <a:spAutoFit/>
+          </a:bodyPr>
+          <a:lstStyle/>
+          <a:p>
+            <a:r>
+              <a:rPr lang="en-US" sz="1400" dirty="0" smtClean="0"/>
+              <a:t>Worker 0</a:t>
+            </a:r>
+            <a:endParaRPr lang="en-US" sz="1400" dirty="0"/>
+          </a:p>
+        </p:txBody>
+      </p:sp>
+      <p:sp>
+        <p:nvSpPr>
+          <p:cNvPr id="56" name="TextBox 55"/>
+          <p:cNvSpPr txBox="1"/>
+          <p:nvPr/>
+        </p:nvSpPr>
+        <p:spPr>
+          <a:xfrm>
+            <a:off x="2133599" y="4769479"/>
+            <a:ext cx="846668" cy="307777"/>
+          </a:xfrm>
+          <a:prstGeom prst="rect">
+            <a:avLst/>
+          </a:prstGeom>
+          <a:noFill/>
+        </p:spPr>
+        <p:txBody>
+          <a:bodyPr wrap="square" rtlCol="0">
+            <a:spAutoFit/>
+          </a:bodyPr>
+          <a:lstStyle/>
+          <a:p>
+            <a:r>
+              <a:rPr lang="en-US" sz="1400" dirty="0" smtClean="0"/>
+              <a:t>Worker 1</a:t>
+            </a:r>
+            <a:endParaRPr lang="en-US" sz="1400" dirty="0"/>
+          </a:p>
+        </p:txBody>
+      </p:sp>
+      <p:sp>
+        <p:nvSpPr>
+          <p:cNvPr id="57" name="TextBox 56"/>
+          <p:cNvSpPr txBox="1"/>
+          <p:nvPr/>
+        </p:nvSpPr>
+        <p:spPr>
+          <a:xfrm>
+            <a:off x="2920999" y="4769479"/>
+            <a:ext cx="846668" cy="307777"/>
+          </a:xfrm>
+          <a:prstGeom prst="rect">
+            <a:avLst/>
+          </a:prstGeom>
+          <a:noFill/>
+        </p:spPr>
+        <p:txBody>
+          <a:bodyPr wrap="square" rtlCol="0">
+            <a:spAutoFit/>
+          </a:bodyPr>
+          <a:lstStyle/>
+          <a:p>
+            <a:r>
+              <a:rPr lang="en-US" sz="1400" dirty="0" smtClean="0"/>
+              <a:t>Worker 2</a:t>
+            </a:r>
+            <a:endParaRPr lang="en-US" sz="1400" dirty="0"/>
+          </a:p>
+        </p:txBody>
+      </p:sp>
+      <p:sp>
+        <p:nvSpPr>
+          <p:cNvPr id="58" name="TextBox 57"/>
+          <p:cNvSpPr txBox="1"/>
+          <p:nvPr/>
+        </p:nvSpPr>
+        <p:spPr>
+          <a:xfrm>
+            <a:off x="3742265" y="4769990"/>
+            <a:ext cx="846668" cy="307777"/>
+          </a:xfrm>
+          <a:prstGeom prst="rect">
+            <a:avLst/>
+          </a:prstGeom>
+          <a:noFill/>
+        </p:spPr>
+        <p:txBody>
+          <a:bodyPr wrap="square" rtlCol="0">
+            <a:spAutoFit/>
+          </a:bodyPr>
+          <a:lstStyle/>
+          <a:p>
+            <a:r>
+              <a:rPr lang="en-US" sz="1400" dirty="0" smtClean="0"/>
+              <a:t>Worker 3</a:t>
+            </a:r>
+            <a:endParaRPr lang="en-US" sz="1400" dirty="0"/>
+          </a:p>
+        </p:txBody>
+      </p:sp>
+      <p:sp>
+        <p:nvSpPr>
+          <p:cNvPr id="59" name="TextBox 58"/>
+          <p:cNvSpPr txBox="1"/>
+          <p:nvPr/>
+        </p:nvSpPr>
+        <p:spPr>
+          <a:xfrm>
+            <a:off x="1392767" y="5047903"/>
+            <a:ext cx="846668" cy="307777"/>
+          </a:xfrm>
+          <a:prstGeom prst="rect">
+            <a:avLst/>
+          </a:prstGeom>
+          <a:noFill/>
+        </p:spPr>
+        <p:txBody>
+          <a:bodyPr wrap="square" rtlCol="0">
+            <a:spAutoFit/>
+          </a:bodyPr>
+          <a:lstStyle/>
+          <a:p>
+            <a:r>
+              <a:rPr lang="en-US" sz="1400" dirty="0" smtClean="0"/>
+              <a:t>SM 0-1</a:t>
+            </a:r>
+            <a:endParaRPr lang="en-US" sz="1400" dirty="0"/>
+          </a:p>
+        </p:txBody>
+      </p:sp>
+      <p:sp>
+        <p:nvSpPr>
+          <p:cNvPr id="60" name="TextBox 59"/>
+          <p:cNvSpPr txBox="1"/>
+          <p:nvPr/>
+        </p:nvSpPr>
+        <p:spPr>
+          <a:xfrm>
+            <a:off x="2235196" y="5056652"/>
+            <a:ext cx="846668" cy="307777"/>
+          </a:xfrm>
+          <a:prstGeom prst="rect">
+            <a:avLst/>
+          </a:prstGeom>
+          <a:noFill/>
+        </p:spPr>
+        <p:txBody>
+          <a:bodyPr wrap="square" rtlCol="0">
+            <a:spAutoFit/>
+          </a:bodyPr>
+          <a:lstStyle/>
+          <a:p>
+            <a:r>
+              <a:rPr lang="en-US" sz="1400" dirty="0" smtClean="0"/>
+              <a:t>SM 2-3</a:t>
+            </a:r>
+            <a:endParaRPr lang="en-US" sz="1400" dirty="0"/>
+          </a:p>
+        </p:txBody>
+      </p:sp>
+      <p:sp>
+        <p:nvSpPr>
+          <p:cNvPr id="61" name="TextBox 60"/>
+          <p:cNvSpPr txBox="1"/>
+          <p:nvPr/>
+        </p:nvSpPr>
+        <p:spPr>
+          <a:xfrm>
+            <a:off x="3043768" y="5065401"/>
+            <a:ext cx="846668" cy="307777"/>
+          </a:xfrm>
+          <a:prstGeom prst="rect">
+            <a:avLst/>
+          </a:prstGeom>
+          <a:noFill/>
+        </p:spPr>
+        <p:txBody>
+          <a:bodyPr wrap="square" rtlCol="0">
+            <a:spAutoFit/>
+          </a:bodyPr>
+          <a:lstStyle/>
+          <a:p>
+            <a:r>
+              <a:rPr lang="en-US" sz="1400" dirty="0" smtClean="0"/>
+              <a:t>SM 4-5</a:t>
+            </a:r>
+            <a:endParaRPr lang="en-US" sz="1400" dirty="0"/>
+          </a:p>
+        </p:txBody>
+      </p:sp>
+      <p:sp>
+        <p:nvSpPr>
+          <p:cNvPr id="62" name="TextBox 61"/>
+          <p:cNvSpPr txBox="1"/>
+          <p:nvPr/>
+        </p:nvSpPr>
+        <p:spPr>
+          <a:xfrm>
+            <a:off x="3848101" y="5056651"/>
+            <a:ext cx="846668" cy="307777"/>
+          </a:xfrm>
+          <a:prstGeom prst="rect">
+            <a:avLst/>
+          </a:prstGeom>
+          <a:noFill/>
+        </p:spPr>
+        <p:txBody>
+          <a:bodyPr wrap="square" rtlCol="0">
+            <a:spAutoFit/>
+          </a:bodyPr>
+          <a:lstStyle/>
+          <a:p>
+            <a:r>
+              <a:rPr lang="en-US" sz="1400" dirty="0" smtClean="0"/>
+              <a:t>SM 6-7</a:t>
+            </a:r>
+            <a:endParaRPr lang="en-US" sz="1400" dirty="0"/>
+          </a:p>
+        </p:txBody>
+      </p:sp>
+    </p:spTree>
+    <p:extLst>
+      <p:ext uri="{BB962C8B-B14F-4D97-AF65-F5344CB8AC3E}">
+        <p14:creationId xmlns:p14="http://schemas.microsoft.com/office/powerpoint/2010/main" val="695334964"/>
+      </p:ext>
+    </p:extLst>
+  </p:cSld>
+  <p:clrMapOvr>
+    <a:masterClrMapping/>
+  </p:clrMapOvr>
+</p:sld>
+</file>
+
+<file path=ppt/slides/slide4.xml><?xml version="1.0" encoding="utf-8"?>
+<p:sld xmlns:a="http://schemas.openxmlformats.org/drawingml/2006/main" xmlns:r="http://schemas.openxmlformats.org/officeDocument/2006/relationships" xmlns:p="http://schemas.openxmlformats.org/presentationml/2006/main">
+  <p:cSld>
+    <p:spTree>
+      <p:nvGrpSpPr>
+        <p:cNvPr id="1" name=""/>
+        <p:cNvGrpSpPr/>
+        <p:nvPr/>
+      </p:nvGrpSpPr>
+      <p:grpSpPr>
+        <a:xfrm>
+          <a:off x="0" y="0"/>
+          <a:ext cx="0" cy="0"/>
+          <a:chOff x="0" y="0"/>
+          <a:chExt cx="0" cy="0"/>
+        </a:xfrm>
+      </p:grpSpPr>
+      <p:sp>
+        <p:nvSpPr>
+          <p:cNvPr id="2" name="Title 1"/>
+          <p:cNvSpPr>
+            <a:spLocks noGrp="1"/>
+          </p:cNvSpPr>
+          <p:nvPr>
+            <p:ph type="title"/>
+          </p:nvPr>
+        </p:nvSpPr>
+        <p:spPr/>
+        <p:txBody>
+          <a:bodyPr/>
+          <a:lstStyle/>
+          <a:p>
             <a:endParaRPr lang="en-US" dirty="0"/>
           </a:p>
         </p:txBody>
@@ -9534,7 +11233,7 @@
 </p:sld>
 </file>
 
-<file path=ppt/slides/slide4.xml><?xml version="1.0" encoding="utf-8"?>
+<file path=ppt/slides/slide5.xml><?xml version="1.0" encoding="utf-8"?>
 <p:sld xmlns:a="http://schemas.openxmlformats.org/drawingml/2006/main" xmlns:r="http://schemas.openxmlformats.org/officeDocument/2006/relationships" xmlns:p="http://schemas.openxmlformats.org/presentationml/2006/main">
   <p:cSld>
     <p:spTree>

--- a/figures/impl1.pptx
+++ b/figures/impl1.pptx
@@ -215,7 +215,7 @@
           <a:p>
             <a:fld id="{B2F35A74-422F-2742-AC7B-3A7A122D2FBC}" type="datetimeFigureOut">
               <a:rPr lang="en-US" smtClean="0"/>
-              <a:t>4/2/17</a:t>
+              <a:t>4/3/17</a:t>
             </a:fld>
             <a:endParaRPr lang="en-US"/>
           </a:p>
@@ -381,7 +381,7 @@
           <a:p>
             <a:fld id="{F0FF9DC5-AEB2-DA40-8153-8124F3593343}" type="datetimeFigureOut">
               <a:rPr lang="en-US" smtClean="0"/>
-              <a:t>4/2/17</a:t>
+              <a:t>4/3/17</a:t>
             </a:fld>
             <a:endParaRPr lang="en-US"/>
           </a:p>
@@ -831,7 +831,7 @@
           <a:p>
             <a:fld id="{9B7E37EC-EFE6-474B-ACFA-0AA2B30DDA3D}" type="datetime1">
               <a:rPr lang="en-US" smtClean="0"/>
-              <a:t>4/2/17</a:t>
+              <a:t>4/3/17</a:t>
             </a:fld>
             <a:endParaRPr lang="en-US"/>
           </a:p>
@@ -996,7 +996,7 @@
           <a:p>
             <a:fld id="{56D852E2-8ABB-7342-BE24-F8BD06E8471A}" type="datetime1">
               <a:rPr lang="en-US" smtClean="0"/>
-              <a:t>4/2/17</a:t>
+              <a:t>4/3/17</a:t>
             </a:fld>
             <a:endParaRPr lang="en-US"/>
           </a:p>
@@ -1176,7 +1176,7 @@
           <a:p>
             <a:fld id="{AAC655D4-BEF3-4143-91FC-1E31F8FE9D2B}" type="datetime1">
               <a:rPr lang="en-US" smtClean="0"/>
-              <a:t>4/2/17</a:t>
+              <a:t>4/3/17</a:t>
             </a:fld>
             <a:endParaRPr lang="en-US"/>
           </a:p>
@@ -1346,7 +1346,7 @@
           <a:p>
             <a:fld id="{407FE4BB-5B33-9E48-9AF7-9FE1265B9BEB}" type="datetime1">
               <a:rPr lang="en-US" smtClean="0"/>
-              <a:t>4/2/17</a:t>
+              <a:t>4/3/17</a:t>
             </a:fld>
             <a:endParaRPr lang="en-US"/>
           </a:p>
@@ -1578,7 +1578,7 @@
           <a:p>
             <a:fld id="{7A3F19D9-9986-8644-80B0-C34E49726679}" type="datetime1">
               <a:rPr lang="en-US" smtClean="0"/>
-              <a:t>4/2/17</a:t>
+              <a:t>4/3/17</a:t>
             </a:fld>
             <a:endParaRPr lang="en-US"/>
           </a:p>
@@ -1866,7 +1866,7 @@
           <a:p>
             <a:fld id="{7AA4CABA-E986-2348-BA19-D7094591226A}" type="datetime1">
               <a:rPr lang="en-US" smtClean="0"/>
-              <a:t>4/2/17</a:t>
+              <a:t>4/3/17</a:t>
             </a:fld>
             <a:endParaRPr lang="en-US"/>
           </a:p>
@@ -2288,7 +2288,7 @@
           <a:p>
             <a:fld id="{36D37177-8EAA-724A-B89A-DC802F0BB0E5}" type="datetime1">
               <a:rPr lang="en-US" smtClean="0"/>
-              <a:t>4/2/17</a:t>
+              <a:t>4/3/17</a:t>
             </a:fld>
             <a:endParaRPr lang="en-US"/>
           </a:p>
@@ -2406,7 +2406,7 @@
           <a:p>
             <a:fld id="{F35D5DE9-7066-4545-81C2-87EE38454942}" type="datetime1">
               <a:rPr lang="en-US" smtClean="0"/>
-              <a:t>4/2/17</a:t>
+              <a:t>4/3/17</a:t>
             </a:fld>
             <a:endParaRPr lang="en-US"/>
           </a:p>
@@ -2501,7 +2501,7 @@
           <a:p>
             <a:fld id="{E85641AC-8481-2A4A-BD4E-BEFF3A721DC1}" type="datetime1">
               <a:rPr lang="en-US" smtClean="0"/>
-              <a:t>4/2/17</a:t>
+              <a:t>4/3/17</a:t>
             </a:fld>
             <a:endParaRPr lang="en-US"/>
           </a:p>
@@ -2778,7 +2778,7 @@
           <a:p>
             <a:fld id="{C3434ECF-37B8-E34B-8486-F19DE0C3BA21}" type="datetime1">
               <a:rPr lang="en-US" smtClean="0"/>
-              <a:t>4/2/17</a:t>
+              <a:t>4/3/17</a:t>
             </a:fld>
             <a:endParaRPr lang="en-US"/>
           </a:p>
@@ -3031,7 +3031,7 @@
           <a:p>
             <a:fld id="{0F1D6308-7F20-3A48-89FF-DA5EEA70287C}" type="datetime1">
               <a:rPr lang="en-US" smtClean="0"/>
-              <a:t>4/2/17</a:t>
+              <a:t>4/3/17</a:t>
             </a:fld>
             <a:endParaRPr lang="en-US"/>
           </a:p>
@@ -3244,7 +3244,7 @@
           <a:p>
             <a:fld id="{C08A154F-1739-E64D-8826-3F507BC84F66}" type="datetime1">
               <a:rPr lang="en-US" smtClean="0"/>
-              <a:t>4/2/17</a:t>
+              <a:t>4/3/17</a:t>
             </a:fld>
             <a:endParaRPr lang="en-US"/>
           </a:p>
@@ -3445,14 +3445,14 @@
           </a:ln>
           <a:extLst>
             <a:ext uri="{909E8E84-426E-40dd-AFC4-6F175D3DCCD1}">
-              <a14:hiddenFill xmlns:a14="http://schemas.microsoft.com/office/drawing/2010/main" xmlns="">
+              <a14:hiddenFill xmlns="" xmlns:a14="http://schemas.microsoft.com/office/drawing/2010/main">
                 <a:solidFill>
                   <a:srgbClr val="FFFFFF"/>
                 </a:solidFill>
               </a14:hiddenFill>
             </a:ext>
             <a:ext uri="{91240B29-F687-4f45-9708-019B960494DF}">
-              <a14:hiddenLine xmlns:a14="http://schemas.microsoft.com/office/drawing/2010/main" xmlns="" w="9525">
+              <a14:hiddenLine xmlns="" xmlns:a14="http://schemas.microsoft.com/office/drawing/2010/main" w="9525">
                 <a:solidFill>
                   <a:srgbClr val="000000"/>
                 </a:solidFill>
@@ -5419,27 +5419,7 @@
           <a:p>
             <a:r>
               <a:rPr lang="en-US" sz="1200" dirty="0" smtClean="0"/>
-              <a:t>(</a:t>
-            </a:r>
-            <a:r>
-              <a:rPr lang="en-US" sz="1200" dirty="0" smtClean="0"/>
-              <a:t>1) </a:t>
-            </a:r>
-            <a:r>
-              <a:rPr lang="en-US" sz="1200" dirty="0" smtClean="0"/>
-              <a:t>R</a:t>
-            </a:r>
-            <a:r>
-              <a:rPr lang="en-US" sz="1200" dirty="0" smtClean="0"/>
-              <a:t>emote </a:t>
-            </a:r>
-            <a:r>
-              <a:rPr lang="en-US" sz="1200" dirty="0" smtClean="0"/>
-              <a:t>procedural </a:t>
-            </a:r>
-            <a:r>
-              <a:rPr lang="en-US" sz="1200" dirty="0" smtClean="0"/>
-              <a:t>call to request a parcel</a:t>
+              <a:t>(1) Remote procedural call to request a parcel</a:t>
             </a:r>
             <a:endParaRPr lang="en-US" sz="1200" dirty="0"/>
           </a:p>
@@ -5510,15 +5490,7 @@
           <a:p>
             <a:r>
               <a:rPr lang="en-US" sz="1200" dirty="0" smtClean="0"/>
-              <a:t>(</a:t>
-            </a:r>
-            <a:r>
-              <a:rPr lang="en-US" sz="1200" dirty="0" smtClean="0"/>
-              <a:t>4</a:t>
-            </a:r>
-            <a:r>
-              <a:rPr lang="en-US" sz="1200" dirty="0" smtClean="0"/>
-              <a:t>) Notify owner</a:t>
+              <a:t>(4) Notify owner</a:t>
             </a:r>
             <a:endParaRPr lang="en-US" sz="1200" dirty="0"/>
           </a:p>
@@ -5583,9 +5555,14 @@
           </a:bodyPr>
           <a:lstStyle/>
           <a:p>
+            <a:pPr algn="ctr"/>
             <a:r>
               <a:rPr lang="en-US" sz="1200" dirty="0" smtClean="0"/>
-              <a:t>DMA/RDMA (3)</a:t>
+              <a:t>DMA(3</a:t>
+            </a:r>
+            <a:r>
+              <a:rPr lang="en-US" sz="1200" dirty="0" smtClean="0"/>
+              <a:t>)</a:t>
             </a:r>
             <a:endParaRPr lang="en-US" sz="1200" dirty="0"/>
           </a:p>
